--- a/Document/Final report/Slide E-Learning project.pptx
+++ b/Document/Final report/Slide E-Learning project.pptx
@@ -14,20 +14,21 @@
     <p:sldId id="262" r:id="rId8"/>
     <p:sldId id="263" r:id="rId9"/>
     <p:sldId id="264" r:id="rId10"/>
-    <p:sldId id="265" r:id="rId11"/>
-    <p:sldId id="266" r:id="rId12"/>
-    <p:sldId id="267" r:id="rId13"/>
-    <p:sldId id="268" r:id="rId14"/>
-    <p:sldId id="269" r:id="rId15"/>
-    <p:sldId id="270" r:id="rId16"/>
-    <p:sldId id="271" r:id="rId17"/>
-    <p:sldId id="272" r:id="rId18"/>
-    <p:sldId id="273" r:id="rId19"/>
-    <p:sldId id="274" r:id="rId20"/>
-    <p:sldId id="275" r:id="rId21"/>
-    <p:sldId id="276" r:id="rId22"/>
-    <p:sldId id="277" r:id="rId23"/>
-    <p:sldId id="278" r:id="rId24"/>
+    <p:sldId id="280" r:id="rId11"/>
+    <p:sldId id="265" r:id="rId12"/>
+    <p:sldId id="279" r:id="rId13"/>
+    <p:sldId id="266" r:id="rId14"/>
+    <p:sldId id="267" r:id="rId15"/>
+    <p:sldId id="268" r:id="rId16"/>
+    <p:sldId id="269" r:id="rId17"/>
+    <p:sldId id="270" r:id="rId18"/>
+    <p:sldId id="271" r:id="rId19"/>
+    <p:sldId id="272" r:id="rId20"/>
+    <p:sldId id="273" r:id="rId21"/>
+    <p:sldId id="274" r:id="rId22"/>
+    <p:sldId id="276" r:id="rId23"/>
+    <p:sldId id="277" r:id="rId24"/>
+    <p:sldId id="278" r:id="rId25"/>
   </p:sldIdLst>
   <p:sldSz cx="9144000" cy="6858000" type="screen4x3"/>
   <p:notesSz cx="6858000" cy="9144000"/>
@@ -126,6 +127,40 @@
       </a:defRPr>
     </a:lvl9pPr>
   </p:defaultTextStyle>
+  <p:extLst>
+    <p:ext uri="{521415D9-36F7-43E2-AB2F-B90AF26B5E84}">
+      <p14:sectionLst xmlns:p14="http://schemas.microsoft.com/office/powerpoint/2010/main">
+        <p14:section name="Default Section" id="{C04A5909-F0DE-4ABE-BC3B-CB69A462A3EF}">
+          <p14:sldIdLst>
+            <p14:sldId id="256"/>
+            <p14:sldId id="257"/>
+            <p14:sldId id="258"/>
+            <p14:sldId id="259"/>
+            <p14:sldId id="260"/>
+            <p14:sldId id="261"/>
+            <p14:sldId id="262"/>
+            <p14:sldId id="263"/>
+            <p14:sldId id="264"/>
+            <p14:sldId id="280"/>
+            <p14:sldId id="265"/>
+            <p14:sldId id="279"/>
+            <p14:sldId id="266"/>
+            <p14:sldId id="267"/>
+            <p14:sldId id="268"/>
+            <p14:sldId id="269"/>
+            <p14:sldId id="270"/>
+            <p14:sldId id="271"/>
+            <p14:sldId id="272"/>
+            <p14:sldId id="273"/>
+            <p14:sldId id="274"/>
+            <p14:sldId id="276"/>
+            <p14:sldId id="277"/>
+            <p14:sldId id="278"/>
+          </p14:sldIdLst>
+        </p14:section>
+      </p14:sectionLst>
+    </p:ext>
+  </p:extLst>
 </p:presentation>
 </file>
 
@@ -382,7 +417,7 @@
           <a:p>
             <a:fld id="{23532D95-B8DC-4E3D-AB04-ECDB825CD59E}" type="datetimeFigureOut">
               <a:rPr lang="en-US" smtClean="0"/>
-              <a:t>8/16/2012</a:t>
+              <a:t>8/17/2012</a:t>
             </a:fld>
             <a:endParaRPr lang="en-US"/>
           </a:p>
@@ -595,7 +630,7 @@
           <a:p>
             <a:fld id="{23532D95-B8DC-4E3D-AB04-ECDB825CD59E}" type="datetimeFigureOut">
               <a:rPr lang="en-US" smtClean="0"/>
-              <a:t>8/16/2012</a:t>
+              <a:t>8/17/2012</a:t>
             </a:fld>
             <a:endParaRPr lang="en-US"/>
           </a:p>
@@ -862,7 +897,7 @@
           <a:p>
             <a:fld id="{23532D95-B8DC-4E3D-AB04-ECDB825CD59E}" type="datetimeFigureOut">
               <a:rPr lang="en-US" smtClean="0"/>
-              <a:t>8/16/2012</a:t>
+              <a:t>8/17/2012</a:t>
             </a:fld>
             <a:endParaRPr lang="en-US"/>
           </a:p>
@@ -1012,7 +1047,7 @@
           <a:p>
             <a:fld id="{23532D95-B8DC-4E3D-AB04-ECDB825CD59E}" type="datetimeFigureOut">
               <a:rPr lang="en-US" smtClean="0"/>
-              <a:t>8/16/2012</a:t>
+              <a:t>8/17/2012</a:t>
             </a:fld>
             <a:endParaRPr lang="en-US"/>
           </a:p>
@@ -1342,7 +1377,7 @@
           <a:p>
             <a:fld id="{23532D95-B8DC-4E3D-AB04-ECDB825CD59E}" type="datetimeFigureOut">
               <a:rPr lang="en-US" smtClean="0"/>
-              <a:t>8/16/2012</a:t>
+              <a:t>8/17/2012</a:t>
             </a:fld>
             <a:endParaRPr lang="en-US"/>
           </a:p>
@@ -1650,7 +1685,7 @@
           <a:p>
             <a:fld id="{23532D95-B8DC-4E3D-AB04-ECDB825CD59E}" type="datetimeFigureOut">
               <a:rPr lang="en-US" smtClean="0"/>
-              <a:t>8/16/2012</a:t>
+              <a:t>8/17/2012</a:t>
             </a:fld>
             <a:endParaRPr lang="en-US"/>
           </a:p>
@@ -2071,7 +2106,7 @@
           <a:p>
             <a:fld id="{23532D95-B8DC-4E3D-AB04-ECDB825CD59E}" type="datetimeFigureOut">
               <a:rPr lang="en-US" smtClean="0"/>
-              <a:t>8/16/2012</a:t>
+              <a:t>8/17/2012</a:t>
             </a:fld>
             <a:endParaRPr lang="en-US"/>
           </a:p>
@@ -2184,7 +2219,7 @@
           <a:p>
             <a:fld id="{23532D95-B8DC-4E3D-AB04-ECDB825CD59E}" type="datetimeFigureOut">
               <a:rPr lang="en-US" smtClean="0"/>
-              <a:t>8/16/2012</a:t>
+              <a:t>8/17/2012</a:t>
             </a:fld>
             <a:endParaRPr lang="en-US"/>
           </a:p>
@@ -2343,7 +2378,7 @@
           <a:p>
             <a:fld id="{23532D95-B8DC-4E3D-AB04-ECDB825CD59E}" type="datetimeFigureOut">
               <a:rPr lang="en-US" smtClean="0"/>
-              <a:t>8/16/2012</a:t>
+              <a:t>8/17/2012</a:t>
             </a:fld>
             <a:endParaRPr lang="en-US"/>
           </a:p>
@@ -2727,7 +2762,7 @@
           <a:p>
             <a:fld id="{23532D95-B8DC-4E3D-AB04-ECDB825CD59E}" type="datetimeFigureOut">
               <a:rPr lang="en-US" smtClean="0"/>
-              <a:t>8/16/2012</a:t>
+              <a:t>8/17/2012</a:t>
             </a:fld>
             <a:endParaRPr lang="en-US"/>
           </a:p>
@@ -3089,7 +3124,7 @@
           <a:p>
             <a:fld id="{23532D95-B8DC-4E3D-AB04-ECDB825CD59E}" type="datetimeFigureOut">
               <a:rPr lang="en-US" smtClean="0"/>
-              <a:t>8/16/2012</a:t>
+              <a:t>8/17/2012</a:t>
             </a:fld>
             <a:endParaRPr lang="en-US"/>
           </a:p>
@@ -3423,7 +3458,7 @@
           <a:p>
             <a:fld id="{23532D95-B8DC-4E3D-AB04-ECDB825CD59E}" type="datetimeFigureOut">
               <a:rPr lang="en-US" smtClean="0"/>
-              <a:t>8/16/2012</a:t>
+              <a:t>8/17/2012</a:t>
             </a:fld>
             <a:endParaRPr lang="en-US"/>
           </a:p>
@@ -3927,7 +3962,11 @@
           <a:bodyPr/>
           <a:lstStyle/>
           <a:p>
-            <a:endParaRPr lang="en-US"/>
+            <a:r>
+              <a:rPr lang="en-US" dirty="0" smtClean="0"/>
+              <a:t>Overall Plan</a:t>
+            </a:r>
+            <a:endParaRPr lang="en-US" dirty="0"/>
           </a:p>
         </p:txBody>
       </p:sp>
@@ -3947,23 +3986,101 @@
           <a:lstStyle/>
           <a:p>
             <a:r>
-              <a:rPr lang="en-US" dirty="0" smtClean="0"/>
-              <a:t>Quality plan</a:t>
+              <a:rPr lang="en-US" dirty="0"/>
+              <a:t>Project Management Plan</a:t>
+            </a:r>
+            <a:br>
+              <a:rPr lang="en-US" dirty="0"/>
+            </a:br>
+            <a:r>
+              <a:rPr lang="en-US" sz="2400" dirty="0"/>
+              <a:t>Project Plan</a:t>
             </a:r>
             <a:endParaRPr lang="en-US" dirty="0"/>
           </a:p>
         </p:txBody>
       </p:sp>
+      <p:pic>
+        <p:nvPicPr>
+          <p:cNvPr id="1026" name="Picture 2"/>
+          <p:cNvPicPr>
+            <a:picLocks noChangeAspect="1" noChangeArrowheads="1"/>
+          </p:cNvPicPr>
+          <p:nvPr/>
+        </p:nvPicPr>
+        <p:blipFill>
+          <a:blip r:embed="rId2">
+            <a:extLst>
+              <a:ext uri="{28A0092B-C50C-407E-A947-70E740481C1C}">
+                <a14:useLocalDpi xmlns:a14="http://schemas.microsoft.com/office/drawing/2010/main" val="0"/>
+              </a:ext>
+            </a:extLst>
+          </a:blip>
+          <a:srcRect/>
+          <a:stretch>
+            <a:fillRect/>
+          </a:stretch>
+        </p:blipFill>
+        <p:spPr bwMode="auto">
+          <a:xfrm>
+            <a:off x="372112" y="2066041"/>
+            <a:ext cx="8390888" cy="4570037"/>
+          </a:xfrm>
+          <a:prstGeom prst="rect">
+            <a:avLst/>
+          </a:prstGeom>
+          <a:noFill/>
+          <a:ln>
+            <a:noFill/>
+          </a:ln>
+          <a:effectLst/>
+          <a:extLst>
+            <a:ext uri="{909E8E84-426E-40DD-AFC4-6F175D3DCCD1}">
+              <a14:hiddenFill xmlns:a14="http://schemas.microsoft.com/office/drawing/2010/main">
+                <a:solidFill>
+                  <a:schemeClr val="accent1"/>
+                </a:solidFill>
+              </a14:hiddenFill>
+            </a:ext>
+            <a:ext uri="{91240B29-F687-4F45-9708-019B960494DF}">
+              <a14:hiddenLine xmlns:a14="http://schemas.microsoft.com/office/drawing/2010/main" w="9525">
+                <a:solidFill>
+                  <a:schemeClr val="tx1"/>
+                </a:solidFill>
+                <a:miter lim="800000"/>
+                <a:headEnd/>
+                <a:tailEnd/>
+              </a14:hiddenLine>
+            </a:ext>
+            <a:ext uri="{AF507438-7753-43E0-B8FC-AC1667EBCBE1}">
+              <a14:hiddenEffects xmlns:a14="http://schemas.microsoft.com/office/drawing/2010/main">
+                <a:effectLst>
+                  <a:outerShdw dist="35921" dir="2700000" algn="ctr" rotWithShape="0">
+                    <a:schemeClr val="bg2"/>
+                  </a:outerShdw>
+                </a:effectLst>
+              </a14:hiddenEffects>
+            </a:ext>
+          </a:extLst>
+        </p:spPr>
+      </p:pic>
     </p:spTree>
     <p:extLst>
       <p:ext uri="{BB962C8B-B14F-4D97-AF65-F5344CB8AC3E}">
-        <p14:creationId xmlns:p14="http://schemas.microsoft.com/office/powerpoint/2010/main" val="2465460596"/>
+        <p14:creationId xmlns:p14="http://schemas.microsoft.com/office/powerpoint/2010/main" val="3217413218"/>
       </p:ext>
     </p:extLst>
   </p:cSld>
   <p:clrMapOvr>
     <a:masterClrMapping/>
   </p:clrMapOvr>
+  <p:timing>
+    <p:tnLst>
+      <p:par>
+        <p:cTn id="1" dur="indefinite" restart="never" nodeType="tmRoot"/>
+      </p:par>
+    </p:tnLst>
+  </p:timing>
 </p:sld>
 </file>
 
@@ -3999,7 +4116,7 @@
           <a:bodyPr/>
           <a:lstStyle/>
           <a:p>
-            <a:endParaRPr lang="en-US" dirty="0"/>
+            <a:endParaRPr lang="en-US"/>
           </a:p>
         </p:txBody>
       </p:sp>
@@ -4019,8 +4136,19 @@
           <a:lstStyle/>
           <a:p>
             <a:r>
+              <a:rPr lang="en-US" dirty="0"/>
+              <a:t>Project Management </a:t>
+            </a:r>
+            <a:r>
               <a:rPr lang="en-US" dirty="0" smtClean="0"/>
-              <a:t>Success criteria</a:t>
+              <a:t>Plan</a:t>
+            </a:r>
+            <a:br>
+              <a:rPr lang="en-US" dirty="0" smtClean="0"/>
+            </a:br>
+            <a:r>
+              <a:rPr lang="en-US" sz="2400" dirty="0" smtClean="0"/>
+              <a:t>Risk management</a:t>
             </a:r>
             <a:endParaRPr lang="en-US" dirty="0"/>
           </a:p>
@@ -4029,13 +4157,20 @@
     </p:spTree>
     <p:extLst>
       <p:ext uri="{BB962C8B-B14F-4D97-AF65-F5344CB8AC3E}">
-        <p14:creationId xmlns:p14="http://schemas.microsoft.com/office/powerpoint/2010/main" val="1608270072"/>
+        <p14:creationId xmlns:p14="http://schemas.microsoft.com/office/powerpoint/2010/main" val="2465460596"/>
       </p:ext>
     </p:extLst>
   </p:cSld>
   <p:clrMapOvr>
     <a:masterClrMapping/>
   </p:clrMapOvr>
+  <p:timing>
+    <p:tnLst>
+      <p:par>
+        <p:cTn id="1" dur="indefinite" restart="never" nodeType="tmRoot"/>
+      </p:par>
+    </p:tnLst>
+  </p:timing>
 </p:sld>
 </file>
 
@@ -4071,11 +4206,7 @@
           <a:bodyPr/>
           <a:lstStyle/>
           <a:p>
-            <a:r>
-              <a:rPr lang="en-US" dirty="0" smtClean="0"/>
-              <a:t>Functional requirement</a:t>
-            </a:r>
-            <a:endParaRPr lang="en-US" dirty="0"/>
+            <a:endParaRPr lang="en-US"/>
           </a:p>
         </p:txBody>
       </p:sp>
@@ -4095,8 +4226,15 @@
           <a:lstStyle/>
           <a:p>
             <a:r>
-              <a:rPr lang="en-US" dirty="0" smtClean="0"/>
-              <a:t>Software requirement specification</a:t>
+              <a:rPr lang="en-US" dirty="0"/>
+              <a:t>Project Management Plan</a:t>
+            </a:r>
+            <a:br>
+              <a:rPr lang="en-US" dirty="0"/>
+            </a:br>
+            <a:r>
+              <a:rPr lang="en-US" sz="2400" dirty="0" smtClean="0"/>
+              <a:t>Quality plan</a:t>
             </a:r>
             <a:endParaRPr lang="en-US" dirty="0"/>
           </a:p>
@@ -4105,13 +4243,20 @@
     </p:spTree>
     <p:extLst>
       <p:ext uri="{BB962C8B-B14F-4D97-AF65-F5344CB8AC3E}">
-        <p14:creationId xmlns:p14="http://schemas.microsoft.com/office/powerpoint/2010/main" val="3426996303"/>
+        <p14:creationId xmlns:p14="http://schemas.microsoft.com/office/powerpoint/2010/main" val="1676298178"/>
       </p:ext>
     </p:extLst>
   </p:cSld>
   <p:clrMapOvr>
     <a:masterClrMapping/>
   </p:clrMapOvr>
+  <p:timing>
+    <p:tnLst>
+      <p:par>
+        <p:cTn id="1" dur="indefinite" restart="never" nodeType="tmRoot"/>
+      </p:par>
+    </p:tnLst>
+  </p:timing>
 </p:sld>
 </file>
 
@@ -4132,14 +4277,190 @@
           <a:chExt cx="0" cy="0"/>
         </a:xfrm>
       </p:grpSpPr>
-      <p:sp>
-        <p:nvSpPr>
-          <p:cNvPr id="2" name="Content Placeholder 1"/>
-          <p:cNvSpPr>
-            <a:spLocks noGrp="1"/>
-          </p:cNvSpPr>
+      <p:graphicFrame>
+        <p:nvGraphicFramePr>
+          <p:cNvPr id="4" name="Content Placeholder 3"/>
+          <p:cNvGraphicFramePr>
+            <a:graphicFrameLocks noGrp="1"/>
+          </p:cNvGraphicFramePr>
           <p:nvPr>
             <p:ph idx="1"/>
+            <p:extLst>
+              <p:ext uri="{D42A27DB-BD31-4B8C-83A1-F6EECF244321}">
+                <p14:modId xmlns:p14="http://schemas.microsoft.com/office/powerpoint/2010/main" val="2442562892"/>
+              </p:ext>
+            </p:extLst>
+          </p:nvPr>
+        </p:nvGraphicFramePr>
+        <p:xfrm>
+          <a:off x="304800" y="2286000"/>
+          <a:ext cx="8534400" cy="3281680"/>
+        </p:xfrm>
+        <a:graphic>
+          <a:graphicData uri="http://schemas.openxmlformats.org/drawingml/2006/table">
+            <a:tbl>
+              <a:tblPr firstRow="1" bandRow="1">
+                <a:tableStyleId>{8A107856-5554-42FB-B03E-39F5DBC370BA}</a:tableStyleId>
+              </a:tblPr>
+              <a:tblGrid>
+                <a:gridCol w="8534400"/>
+              </a:tblGrid>
+              <a:tr h="916834">
+                <a:tc>
+                  <a:txBody>
+                    <a:bodyPr/>
+                    <a:lstStyle/>
+                    <a:p>
+                      <a:pPr marL="0" marR="0" lvl="0" indent="0" algn="l" defTabSz="914400" rtl="0" eaLnBrk="1" fontAlgn="auto" latinLnBrk="0" hangingPunct="1">
+                        <a:lnSpc>
+                          <a:spcPct val="100000"/>
+                        </a:lnSpc>
+                        <a:spcBef>
+                          <a:spcPts val="0"/>
+                        </a:spcBef>
+                        <a:spcAft>
+                          <a:spcPts val="0"/>
+                        </a:spcAft>
+                        <a:buClrTx/>
+                        <a:buSzTx/>
+                        <a:buFontTx/>
+                        <a:buNone/>
+                        <a:tabLst/>
+                        <a:defRPr/>
+                      </a:pPr>
+                      <a:r>
+                        <a:rPr lang="en-US" sz="1800" b="0" kern="1200" dirty="0" smtClean="0">
+                          <a:solidFill>
+                            <a:schemeClr val="dk1"/>
+                          </a:solidFill>
+                          <a:effectLst/>
+                          <a:latin typeface="+mn-lt"/>
+                          <a:ea typeface="+mn-ea"/>
+                          <a:cs typeface="+mn-cs"/>
+                        </a:rPr>
+                        <a:t>The project that finishes in scheduled time, within the allocated budgets and which satisfies the customer requirements.</a:t>
+                      </a:r>
+                    </a:p>
+                  </a:txBody>
+                  <a:tcPr anchor="ctr"/>
+                </a:tc>
+              </a:tr>
+              <a:tr h="916833">
+                <a:tc>
+                  <a:txBody>
+                    <a:bodyPr/>
+                    <a:lstStyle/>
+                    <a:p>
+                      <a:pPr marL="0" marR="0" lvl="0" indent="0" algn="l" defTabSz="914400" rtl="0" eaLnBrk="1" fontAlgn="auto" latinLnBrk="0" hangingPunct="1">
+                        <a:lnSpc>
+                          <a:spcPct val="100000"/>
+                        </a:lnSpc>
+                        <a:spcBef>
+                          <a:spcPts val="0"/>
+                        </a:spcBef>
+                        <a:spcAft>
+                          <a:spcPts val="0"/>
+                        </a:spcAft>
+                        <a:buClrTx/>
+                        <a:buSzTx/>
+                        <a:buFontTx/>
+                        <a:buNone/>
+                        <a:tabLst/>
+                        <a:defRPr/>
+                      </a:pPr>
+                      <a:r>
+                        <a:rPr lang="en-US" sz="1800" kern="1200" dirty="0" smtClean="0">
+                          <a:solidFill>
+                            <a:schemeClr val="dk1"/>
+                          </a:solidFill>
+                          <a:effectLst/>
+                          <a:latin typeface="+mn-lt"/>
+                          <a:ea typeface="+mn-ea"/>
+                          <a:cs typeface="+mn-cs"/>
+                        </a:rPr>
+                        <a:t>All high-priority functionality defined in the requirements specification is delivered in the first release.</a:t>
+                      </a:r>
+                    </a:p>
+                  </a:txBody>
+                  <a:tcPr anchor="ctr"/>
+                </a:tc>
+              </a:tr>
+              <a:tr h="916833">
+                <a:tc>
+                  <a:txBody>
+                    <a:bodyPr/>
+                    <a:lstStyle/>
+                    <a:p>
+                      <a:pPr marL="0" marR="0" lvl="0" indent="0" algn="l" defTabSz="914400" rtl="0" eaLnBrk="1" fontAlgn="auto" latinLnBrk="0" hangingPunct="1">
+                        <a:lnSpc>
+                          <a:spcPct val="100000"/>
+                        </a:lnSpc>
+                        <a:spcBef>
+                          <a:spcPts val="0"/>
+                        </a:spcBef>
+                        <a:spcAft>
+                          <a:spcPts val="0"/>
+                        </a:spcAft>
+                        <a:buClrTx/>
+                        <a:buSzTx/>
+                        <a:buFontTx/>
+                        <a:buNone/>
+                        <a:tabLst/>
+                        <a:defRPr/>
+                      </a:pPr>
+                      <a:r>
+                        <a:rPr lang="en-US" sz="1800" kern="1200" dirty="0" smtClean="0">
+                          <a:solidFill>
+                            <a:schemeClr val="dk1"/>
+                          </a:solidFill>
+                          <a:effectLst/>
+                          <a:latin typeface="+mn-lt"/>
+                          <a:ea typeface="+mn-ea"/>
+                          <a:cs typeface="+mn-cs"/>
+                        </a:rPr>
+                        <a:t>Open-sources are optimized closely, less complexity, improving quality of the system.</a:t>
+                      </a:r>
+                    </a:p>
+                  </a:txBody>
+                  <a:tcPr anchor="ctr"/>
+                </a:tc>
+              </a:tr>
+              <a:tr h="531180">
+                <a:tc>
+                  <a:txBody>
+                    <a:bodyPr/>
+                    <a:lstStyle/>
+                    <a:p>
+                      <a:r>
+                        <a:rPr lang="en-US" sz="1800" kern="1200" dirty="0" smtClean="0">
+                          <a:solidFill>
+                            <a:schemeClr val="dk1"/>
+                          </a:solidFill>
+                          <a:effectLst/>
+                          <a:latin typeface="+mn-lt"/>
+                          <a:ea typeface="+mn-ea"/>
+                          <a:cs typeface="+mn-cs"/>
+                        </a:rPr>
+                        <a:t>The estimated number of residual defects does not exceed 5 per function point.</a:t>
+                      </a:r>
+                      <a:endParaRPr lang="en-US" dirty="0"/>
+                    </a:p>
+                  </a:txBody>
+                  <a:tcPr anchor="ctr"/>
+                </a:tc>
+              </a:tr>
+            </a:tbl>
+          </a:graphicData>
+        </a:graphic>
+      </p:graphicFrame>
+      <p:sp>
+        <p:nvSpPr>
+          <p:cNvPr id="3" name="Title 2"/>
+          <p:cNvSpPr>
+            <a:spLocks noGrp="1"/>
+          </p:cNvSpPr>
+          <p:nvPr>
+            <p:ph type="title"/>
           </p:nvPr>
         </p:nvSpPr>
         <p:spPr/>
@@ -4149,44 +4470,29 @@
           <a:p>
             <a:r>
               <a:rPr lang="en-US" dirty="0" smtClean="0"/>
-              <a:t>Non-functional requirement</a:t>
+              <a:t>Success criteria</a:t>
             </a:r>
             <a:endParaRPr lang="en-US" dirty="0"/>
-          </a:p>
-        </p:txBody>
-      </p:sp>
-      <p:sp>
-        <p:nvSpPr>
-          <p:cNvPr id="3" name="Title 2"/>
-          <p:cNvSpPr>
-            <a:spLocks noGrp="1"/>
-          </p:cNvSpPr>
-          <p:nvPr>
-            <p:ph type="title"/>
-          </p:nvPr>
-        </p:nvSpPr>
-        <p:spPr/>
-        <p:txBody>
-          <a:bodyPr/>
-          <a:lstStyle/>
-          <a:p>
-            <a:r>
-              <a:rPr lang="en-US" dirty="0"/>
-              <a:t>Software requirement specification</a:t>
-            </a:r>
           </a:p>
         </p:txBody>
       </p:sp>
     </p:spTree>
     <p:extLst>
       <p:ext uri="{BB962C8B-B14F-4D97-AF65-F5344CB8AC3E}">
-        <p14:creationId xmlns:p14="http://schemas.microsoft.com/office/powerpoint/2010/main" val="1230114741"/>
+        <p14:creationId xmlns:p14="http://schemas.microsoft.com/office/powerpoint/2010/main" val="1608270072"/>
       </p:ext>
     </p:extLst>
   </p:cSld>
   <p:clrMapOvr>
     <a:masterClrMapping/>
   </p:clrMapOvr>
+  <p:timing>
+    <p:tnLst>
+      <p:par>
+        <p:cTn id="1" dur="indefinite" restart="never" nodeType="tmRoot"/>
+      </p:par>
+    </p:tnLst>
+  </p:timing>
 </p:sld>
 </file>
 
@@ -4222,7 +4528,11 @@
           <a:bodyPr/>
           <a:lstStyle/>
           <a:p>
-            <a:endParaRPr lang="en-US"/>
+            <a:r>
+              <a:rPr lang="en-US" dirty="0" smtClean="0"/>
+              <a:t>Functional requirement</a:t>
+            </a:r>
+            <a:endParaRPr lang="en-US" dirty="0"/>
           </a:p>
         </p:txBody>
       </p:sp>
@@ -4243,7 +4553,7 @@
           <a:p>
             <a:r>
               <a:rPr lang="en-US" dirty="0" smtClean="0"/>
-              <a:t>Architecture design</a:t>
+              <a:t>Software requirement specification</a:t>
             </a:r>
             <a:endParaRPr lang="en-US" dirty="0"/>
           </a:p>
@@ -4252,13 +4562,20 @@
     </p:spTree>
     <p:extLst>
       <p:ext uri="{BB962C8B-B14F-4D97-AF65-F5344CB8AC3E}">
-        <p14:creationId xmlns:p14="http://schemas.microsoft.com/office/powerpoint/2010/main" val="525331852"/>
+        <p14:creationId xmlns:p14="http://schemas.microsoft.com/office/powerpoint/2010/main" val="3426996303"/>
       </p:ext>
     </p:extLst>
   </p:cSld>
   <p:clrMapOvr>
     <a:masterClrMapping/>
   </p:clrMapOvr>
+  <p:timing>
+    <p:tnLst>
+      <p:par>
+        <p:cTn id="1" dur="indefinite" restart="never" nodeType="tmRoot"/>
+      </p:par>
+    </p:tnLst>
+  </p:timing>
 </p:sld>
 </file>
 
@@ -4294,7 +4611,11 @@
           <a:bodyPr/>
           <a:lstStyle/>
           <a:p>
-            <a:endParaRPr lang="en-US"/>
+            <a:r>
+              <a:rPr lang="en-US" dirty="0" smtClean="0"/>
+              <a:t>Non-functional requirement</a:t>
+            </a:r>
+            <a:endParaRPr lang="en-US" dirty="0"/>
           </a:p>
         </p:txBody>
       </p:sp>
@@ -4314,23 +4635,29 @@
           <a:lstStyle/>
           <a:p>
             <a:r>
-              <a:rPr lang="en-US" dirty="0" smtClean="0"/>
-              <a:t>Database structure</a:t>
-            </a:r>
-            <a:endParaRPr lang="en-US" dirty="0"/>
+              <a:rPr lang="en-US" dirty="0"/>
+              <a:t>Software requirement specification</a:t>
+            </a:r>
           </a:p>
         </p:txBody>
       </p:sp>
     </p:spTree>
     <p:extLst>
       <p:ext uri="{BB962C8B-B14F-4D97-AF65-F5344CB8AC3E}">
-        <p14:creationId xmlns:p14="http://schemas.microsoft.com/office/powerpoint/2010/main" val="1304900330"/>
+        <p14:creationId xmlns:p14="http://schemas.microsoft.com/office/powerpoint/2010/main" val="1230114741"/>
       </p:ext>
     </p:extLst>
   </p:cSld>
   <p:clrMapOvr>
     <a:masterClrMapping/>
   </p:clrMapOvr>
+  <p:timing>
+    <p:tnLst>
+      <p:par>
+        <p:cTn id="1" dur="indefinite" restart="never" nodeType="tmRoot"/>
+      </p:par>
+    </p:tnLst>
+  </p:timing>
 </p:sld>
 </file>
 
@@ -4351,25 +4678,35 @@
           <a:chExt cx="0" cy="0"/>
         </a:xfrm>
       </p:grpSpPr>
-      <p:sp>
-        <p:nvSpPr>
-          <p:cNvPr id="2" name="Content Placeholder 1"/>
-          <p:cNvSpPr>
-            <a:spLocks noGrp="1"/>
-          </p:cNvSpPr>
+      <p:pic>
+        <p:nvPicPr>
+          <p:cNvPr id="4" name="Content Placeholder 3"/>
+          <p:cNvPicPr>
+            <a:picLocks noGrp="1" noChangeAspect="1"/>
+          </p:cNvPicPr>
           <p:nvPr>
             <p:ph idx="1"/>
           </p:nvPr>
-        </p:nvSpPr>
-        <p:spPr/>
-        <p:txBody>
-          <a:bodyPr/>
-          <a:lstStyle/>
-          <a:p>
-            <a:endParaRPr lang="en-US"/>
-          </a:p>
-        </p:txBody>
-      </p:sp>
+        </p:nvPicPr>
+        <p:blipFill>
+          <a:blip r:embed="rId2">
+            <a:extLst>
+              <a:ext uri="{28A0092B-C50C-407E-A947-70E740481C1C}">
+                <a14:useLocalDpi xmlns:a14="http://schemas.microsoft.com/office/drawing/2010/main" val="0"/>
+              </a:ext>
+            </a:extLst>
+          </a:blip>
+          <a:stretch>
+            <a:fillRect/>
+          </a:stretch>
+        </p:blipFill>
+        <p:spPr>
+          <a:xfrm>
+            <a:off x="1219200" y="1066799"/>
+            <a:ext cx="6799040" cy="5791201"/>
+          </a:xfrm>
+        </p:spPr>
+      </p:pic>
       <p:sp>
         <p:nvSpPr>
           <p:cNvPr id="3" name="Title 2"/>
@@ -4380,29 +4717,56 @@
             <p:ph type="title"/>
           </p:nvPr>
         </p:nvSpPr>
-        <p:spPr/>
-        <p:txBody>
-          <a:bodyPr/>
-          <a:lstStyle/>
-          <a:p>
-            <a:r>
-              <a:rPr lang="en-US" dirty="0" smtClean="0"/>
-              <a:t>Class diagram</a:t>
-            </a:r>
-            <a:endParaRPr lang="en-US" dirty="0"/>
+        <p:spPr>
+          <a:xfrm>
+            <a:off x="381000" y="152400"/>
+            <a:ext cx="8381260" cy="953041"/>
+          </a:xfrm>
+        </p:spPr>
+        <p:txBody>
+          <a:bodyPr/>
+          <a:lstStyle/>
+          <a:p>
+            <a:r>
+              <a:rPr lang="en-US" dirty="0"/>
+              <a:t>System Analysis and Design</a:t>
+            </a:r>
+            <a:r>
+              <a:rPr lang="en-US" sz="2800" dirty="0"/>
+              <a:t/>
+            </a:r>
+            <a:br>
+              <a:rPr lang="en-US" sz="2800" dirty="0"/>
+            </a:br>
+            <a:r>
+              <a:rPr lang="en-US" sz="2400" dirty="0" smtClean="0"/>
+              <a:t>Architecture </a:t>
+            </a:r>
+            <a:r>
+              <a:rPr lang="en-US" sz="2400" dirty="0" smtClean="0"/>
+              <a:t>design</a:t>
+            </a:r>
+            <a:endParaRPr lang="en-US" sz="2400" dirty="0"/>
           </a:p>
         </p:txBody>
       </p:sp>
     </p:spTree>
     <p:extLst>
       <p:ext uri="{BB962C8B-B14F-4D97-AF65-F5344CB8AC3E}">
-        <p14:creationId xmlns:p14="http://schemas.microsoft.com/office/powerpoint/2010/main" val="2434182720"/>
+        <p14:creationId xmlns:p14="http://schemas.microsoft.com/office/powerpoint/2010/main" val="525331852"/>
       </p:ext>
     </p:extLst>
   </p:cSld>
   <p:clrMapOvr>
     <a:masterClrMapping/>
   </p:clrMapOvr>
+  <p:timing>
+    <p:tnLst>
+      <p:par>
+        <p:cTn id="1" dur="indefinite" restart="never" nodeType="tmRoot"/>
+      </p:par>
+    </p:tnLst>
+  </p:timing>
 </p:sld>
 </file>
 
@@ -4423,25 +4787,35 @@
           <a:chExt cx="0" cy="0"/>
         </a:xfrm>
       </p:grpSpPr>
-      <p:sp>
-        <p:nvSpPr>
-          <p:cNvPr id="2" name="Content Placeholder 1"/>
-          <p:cNvSpPr>
-            <a:spLocks noGrp="1"/>
-          </p:cNvSpPr>
+      <p:pic>
+        <p:nvPicPr>
+          <p:cNvPr id="4" name="Content Placeholder 3"/>
+          <p:cNvPicPr>
+            <a:picLocks noGrp="1" noChangeAspect="1"/>
+          </p:cNvPicPr>
           <p:nvPr>
             <p:ph idx="1"/>
           </p:nvPr>
-        </p:nvSpPr>
-        <p:spPr/>
-        <p:txBody>
-          <a:bodyPr/>
-          <a:lstStyle/>
-          <a:p>
-            <a:endParaRPr lang="en-US"/>
-          </a:p>
-        </p:txBody>
-      </p:sp>
+        </p:nvPicPr>
+        <p:blipFill>
+          <a:blip r:embed="rId2" cstate="print">
+            <a:extLst>
+              <a:ext uri="{28A0092B-C50C-407E-A947-70E740481C1C}">
+                <a14:useLocalDpi xmlns:a14="http://schemas.microsoft.com/office/drawing/2010/main" val="0"/>
+              </a:ext>
+            </a:extLst>
+          </a:blip>
+          <a:stretch>
+            <a:fillRect/>
+          </a:stretch>
+        </p:blipFill>
+        <p:spPr>
+          <a:xfrm>
+            <a:off x="1295400" y="1371600"/>
+            <a:ext cx="6477000" cy="5428344"/>
+          </a:xfrm>
+        </p:spPr>
+      </p:pic>
       <p:sp>
         <p:nvSpPr>
           <p:cNvPr id="3" name="Title 2"/>
@@ -4458,23 +4832,41 @@
           <a:lstStyle/>
           <a:p>
             <a:r>
-              <a:rPr lang="en-US" dirty="0" smtClean="0"/>
-              <a:t>Sequence diagram</a:t>
-            </a:r>
-            <a:endParaRPr lang="en-US" dirty="0"/>
+              <a:rPr lang="en-US" sz="2800" dirty="0"/>
+              <a:t>System Analysis and Design</a:t>
+            </a:r>
+            <a:r>
+              <a:rPr lang="en-US" dirty="0"/>
+              <a:t/>
+            </a:r>
+            <a:br>
+              <a:rPr lang="en-US" dirty="0"/>
+            </a:br>
+            <a:r>
+              <a:rPr lang="en-US" sz="2400" dirty="0" smtClean="0"/>
+              <a:t>Database Structure</a:t>
+            </a:r>
+            <a:endParaRPr lang="en-US" sz="2400" dirty="0"/>
           </a:p>
         </p:txBody>
       </p:sp>
     </p:spTree>
     <p:extLst>
       <p:ext uri="{BB962C8B-B14F-4D97-AF65-F5344CB8AC3E}">
-        <p14:creationId xmlns:p14="http://schemas.microsoft.com/office/powerpoint/2010/main" val="2913773775"/>
+        <p14:creationId xmlns:p14="http://schemas.microsoft.com/office/powerpoint/2010/main" val="1304900330"/>
       </p:ext>
     </p:extLst>
   </p:cSld>
   <p:clrMapOvr>
     <a:masterClrMapping/>
   </p:clrMapOvr>
+  <p:timing>
+    <p:tnLst>
+      <p:par>
+        <p:cTn id="1" dur="indefinite" restart="never" nodeType="tmRoot"/>
+      </p:par>
+    </p:tnLst>
+  </p:timing>
 </p:sld>
 </file>
 
@@ -4497,56 +4889,92 @@
       </p:grpSpPr>
       <p:sp>
         <p:nvSpPr>
-          <p:cNvPr id="2" name="Content Placeholder 1"/>
-          <p:cNvSpPr>
-            <a:spLocks noGrp="1"/>
-          </p:cNvSpPr>
+          <p:cNvPr id="3" name="Title 2"/>
+          <p:cNvSpPr>
+            <a:spLocks noGrp="1"/>
+          </p:cNvSpPr>
+          <p:nvPr>
+            <p:ph type="title"/>
+          </p:nvPr>
+        </p:nvSpPr>
+        <p:spPr/>
+        <p:txBody>
+          <a:bodyPr/>
+          <a:lstStyle/>
+          <a:p>
+            <a:r>
+              <a:rPr lang="en-US" dirty="0"/>
+              <a:t>System Analysis and Design</a:t>
+            </a:r>
+            <a:br>
+              <a:rPr lang="en-US" dirty="0"/>
+            </a:br>
+            <a:r>
+              <a:rPr lang="en-US" sz="2400" dirty="0"/>
+              <a:t>Class </a:t>
+            </a:r>
+            <a:r>
+              <a:rPr lang="en-US" sz="2400" dirty="0" smtClean="0"/>
+              <a:t>diagram</a:t>
+            </a:r>
+            <a:endParaRPr lang="en-US" sz="2400" dirty="0"/>
+          </a:p>
+        </p:txBody>
+      </p:sp>
+      <p:pic>
+        <p:nvPicPr>
+          <p:cNvPr id="6" name="Content Placeholder 5" descr="C:\e-learning-website\User\NamKT\picClassTheory.png"/>
+          <p:cNvPicPr>
+            <a:picLocks noGrp="1"/>
+          </p:cNvPicPr>
           <p:nvPr>
             <p:ph idx="1"/>
           </p:nvPr>
-        </p:nvSpPr>
-        <p:spPr/>
-        <p:txBody>
-          <a:bodyPr/>
-          <a:lstStyle/>
-          <a:p>
-            <a:endParaRPr lang="en-US"/>
-          </a:p>
-        </p:txBody>
-      </p:sp>
-      <p:sp>
-        <p:nvSpPr>
-          <p:cNvPr id="3" name="Title 2"/>
-          <p:cNvSpPr>
-            <a:spLocks noGrp="1"/>
-          </p:cNvSpPr>
-          <p:nvPr>
-            <p:ph type="title"/>
-          </p:nvPr>
-        </p:nvSpPr>
-        <p:spPr/>
-        <p:txBody>
-          <a:bodyPr/>
-          <a:lstStyle/>
-          <a:p>
-            <a:r>
-              <a:rPr lang="en-US" dirty="0" smtClean="0"/>
-              <a:t>Test plan</a:t>
-            </a:r>
-            <a:endParaRPr lang="en-US" dirty="0"/>
-          </a:p>
-        </p:txBody>
-      </p:sp>
+        </p:nvPicPr>
+        <p:blipFill>
+          <a:blip r:embed="rId2">
+            <a:extLst>
+              <a:ext uri="{28A0092B-C50C-407E-A947-70E740481C1C}">
+                <a14:useLocalDpi xmlns:a14="http://schemas.microsoft.com/office/drawing/2010/main" val="0"/>
+              </a:ext>
+            </a:extLst>
+          </a:blip>
+          <a:srcRect/>
+          <a:stretch>
+            <a:fillRect/>
+          </a:stretch>
+        </p:blipFill>
+        <p:spPr bwMode="auto">
+          <a:xfrm>
+            <a:off x="1066800" y="1600200"/>
+            <a:ext cx="6781800" cy="4953000"/>
+          </a:xfrm>
+          <a:prstGeom prst="rect">
+            <a:avLst/>
+          </a:prstGeom>
+          <a:noFill/>
+          <a:ln>
+            <a:noFill/>
+          </a:ln>
+        </p:spPr>
+      </p:pic>
     </p:spTree>
     <p:extLst>
       <p:ext uri="{BB962C8B-B14F-4D97-AF65-F5344CB8AC3E}">
-        <p14:creationId xmlns:p14="http://schemas.microsoft.com/office/powerpoint/2010/main" val="3861358067"/>
+        <p14:creationId xmlns:p14="http://schemas.microsoft.com/office/powerpoint/2010/main" val="2434182720"/>
       </p:ext>
     </p:extLst>
   </p:cSld>
   <p:clrMapOvr>
     <a:masterClrMapping/>
   </p:clrMapOvr>
+  <p:timing>
+    <p:tnLst>
+      <p:par>
+        <p:cTn id="1" dur="indefinite" restart="never" nodeType="tmRoot"/>
+      </p:par>
+    </p:tnLst>
+  </p:timing>
 </p:sld>
 </file>
 
@@ -4602,23 +5030,74 @@
           <a:lstStyle/>
           <a:p>
             <a:r>
-              <a:rPr lang="en-US" dirty="0" smtClean="0"/>
-              <a:t>Test report</a:t>
-            </a:r>
-            <a:endParaRPr lang="en-US" dirty="0"/>
-          </a:p>
-        </p:txBody>
-      </p:sp>
+              <a:rPr lang="en-US" dirty="0"/>
+              <a:t>System Analysis and Design</a:t>
+            </a:r>
+            <a:br>
+              <a:rPr lang="en-US" dirty="0"/>
+            </a:br>
+            <a:r>
+              <a:rPr lang="en-US" sz="2400" dirty="0"/>
+              <a:t>Sequence </a:t>
+            </a:r>
+            <a:r>
+              <a:rPr lang="en-US" sz="2400" dirty="0" smtClean="0"/>
+              <a:t>diagram</a:t>
+            </a:r>
+            <a:endParaRPr lang="en-US" sz="2400" dirty="0"/>
+          </a:p>
+        </p:txBody>
+      </p:sp>
+      <p:pic>
+        <p:nvPicPr>
+          <p:cNvPr id="4" name="Picture 3" descr="C:\e-learning-website\User\NamKT\SequenceDiaGetChapterName.jpg"/>
+          <p:cNvPicPr/>
+          <p:nvPr/>
+        </p:nvPicPr>
+        <p:blipFill>
+          <a:blip r:embed="rId2">
+            <a:extLst>
+              <a:ext uri="{28A0092B-C50C-407E-A947-70E740481C1C}">
+                <a14:useLocalDpi xmlns:a14="http://schemas.microsoft.com/office/drawing/2010/main" val="0"/>
+              </a:ext>
+            </a:extLst>
+          </a:blip>
+          <a:srcRect/>
+          <a:stretch>
+            <a:fillRect/>
+          </a:stretch>
+        </p:blipFill>
+        <p:spPr bwMode="auto">
+          <a:xfrm>
+            <a:off x="381000" y="1600200"/>
+            <a:ext cx="8382000" cy="4876800"/>
+          </a:xfrm>
+          <a:prstGeom prst="rect">
+            <a:avLst/>
+          </a:prstGeom>
+          <a:noFill/>
+          <a:ln>
+            <a:noFill/>
+          </a:ln>
+        </p:spPr>
+      </p:pic>
     </p:spTree>
     <p:extLst>
       <p:ext uri="{BB962C8B-B14F-4D97-AF65-F5344CB8AC3E}">
-        <p14:creationId xmlns:p14="http://schemas.microsoft.com/office/powerpoint/2010/main" val="2117252851"/>
+        <p14:creationId xmlns:p14="http://schemas.microsoft.com/office/powerpoint/2010/main" val="2913773775"/>
       </p:ext>
     </p:extLst>
   </p:cSld>
   <p:clrMapOvr>
     <a:masterClrMapping/>
   </p:clrMapOvr>
+  <p:timing>
+    <p:tnLst>
+      <p:par>
+        <p:cTn id="1" dur="indefinite" restart="never" nodeType="tmRoot"/>
+      </p:par>
+    </p:tnLst>
+  </p:timing>
 </p:sld>
 </file>
 
@@ -4747,7 +5226,7 @@
           <a:p>
             <a:r>
               <a:rPr lang="en-US" dirty="0" smtClean="0"/>
-              <a:t>demo</a:t>
+              <a:t>Test plan</a:t>
             </a:r>
             <a:endParaRPr lang="en-US" dirty="0"/>
           </a:p>
@@ -4756,13 +5235,20 @@
     </p:spTree>
     <p:extLst>
       <p:ext uri="{BB962C8B-B14F-4D97-AF65-F5344CB8AC3E}">
-        <p14:creationId xmlns:p14="http://schemas.microsoft.com/office/powerpoint/2010/main" val="2632253656"/>
+        <p14:creationId xmlns:p14="http://schemas.microsoft.com/office/powerpoint/2010/main" val="3861358067"/>
       </p:ext>
     </p:extLst>
   </p:cSld>
   <p:clrMapOvr>
     <a:masterClrMapping/>
   </p:clrMapOvr>
+  <p:timing>
+    <p:tnLst>
+      <p:par>
+        <p:cTn id="1" dur="indefinite" restart="never" nodeType="tmRoot"/>
+      </p:par>
+    </p:tnLst>
+  </p:timing>
 </p:sld>
 </file>
 
@@ -4818,22 +5304,30 @@
           <a:lstStyle/>
           <a:p>
             <a:r>
-              <a:rPr lang="en-US" dirty="0"/>
-              <a:t>summary</a:t>
-            </a:r>
+              <a:rPr lang="en-US" dirty="0" smtClean="0"/>
+              <a:t>Test report</a:t>
+            </a:r>
+            <a:endParaRPr lang="en-US" dirty="0"/>
           </a:p>
         </p:txBody>
       </p:sp>
     </p:spTree>
     <p:extLst>
       <p:ext uri="{BB962C8B-B14F-4D97-AF65-F5344CB8AC3E}">
-        <p14:creationId xmlns:p14="http://schemas.microsoft.com/office/powerpoint/2010/main" val="470344723"/>
+        <p14:creationId xmlns:p14="http://schemas.microsoft.com/office/powerpoint/2010/main" val="2117252851"/>
       </p:ext>
     </p:extLst>
   </p:cSld>
   <p:clrMapOvr>
     <a:masterClrMapping/>
   </p:clrMapOvr>
+  <p:timing>
+    <p:tnLst>
+      <p:par>
+        <p:cTn id="1" dur="indefinite" restart="never" nodeType="tmRoot"/>
+      </p:par>
+    </p:tnLst>
+  </p:timing>
 </p:sld>
 </file>
 
@@ -4889,23 +5383,29 @@
           <a:lstStyle/>
           <a:p>
             <a:r>
-              <a:rPr lang="en-US" dirty="0" smtClean="0"/>
-              <a:t>Q&amp;A</a:t>
-            </a:r>
-            <a:endParaRPr lang="en-US" dirty="0"/>
+              <a:rPr lang="en-US" dirty="0"/>
+              <a:t>summary</a:t>
+            </a:r>
           </a:p>
         </p:txBody>
       </p:sp>
     </p:spTree>
     <p:extLst>
       <p:ext uri="{BB962C8B-B14F-4D97-AF65-F5344CB8AC3E}">
-        <p14:creationId xmlns:p14="http://schemas.microsoft.com/office/powerpoint/2010/main" val="3652158983"/>
+        <p14:creationId xmlns:p14="http://schemas.microsoft.com/office/powerpoint/2010/main" val="470344723"/>
       </p:ext>
     </p:extLst>
   </p:cSld>
   <p:clrMapOvr>
     <a:masterClrMapping/>
   </p:clrMapOvr>
+  <p:timing>
+    <p:tnLst>
+      <p:par>
+        <p:cTn id="1" dur="indefinite" restart="never" nodeType="tmRoot"/>
+      </p:par>
+    </p:tnLst>
+  </p:timing>
 </p:sld>
 </file>
 
@@ -4941,6 +5441,85 @@
           <a:bodyPr/>
           <a:lstStyle/>
           <a:p>
+            <a:endParaRPr lang="en-US"/>
+          </a:p>
+        </p:txBody>
+      </p:sp>
+      <p:sp>
+        <p:nvSpPr>
+          <p:cNvPr id="3" name="Title 2"/>
+          <p:cNvSpPr>
+            <a:spLocks noGrp="1"/>
+          </p:cNvSpPr>
+          <p:nvPr>
+            <p:ph type="title"/>
+          </p:nvPr>
+        </p:nvSpPr>
+        <p:spPr/>
+        <p:txBody>
+          <a:bodyPr/>
+          <a:lstStyle/>
+          <a:p>
+            <a:r>
+              <a:rPr lang="en-US" dirty="0" smtClean="0"/>
+              <a:t>Q&amp;A</a:t>
+            </a:r>
+            <a:endParaRPr lang="en-US" dirty="0"/>
+          </a:p>
+        </p:txBody>
+      </p:sp>
+    </p:spTree>
+    <p:extLst>
+      <p:ext uri="{BB962C8B-B14F-4D97-AF65-F5344CB8AC3E}">
+        <p14:creationId xmlns:p14="http://schemas.microsoft.com/office/powerpoint/2010/main" val="3652158983"/>
+      </p:ext>
+    </p:extLst>
+  </p:cSld>
+  <p:clrMapOvr>
+    <a:masterClrMapping/>
+  </p:clrMapOvr>
+  <p:timing>
+    <p:tnLst>
+      <p:par>
+        <p:cTn id="1" dur="indefinite" restart="never" nodeType="tmRoot"/>
+      </p:par>
+    </p:tnLst>
+  </p:timing>
+</p:sld>
+</file>
+
+<file path=ppt/slides/slide24.xml><?xml version="1.0" encoding="utf-8"?>
+<p:sld xmlns:a="http://schemas.openxmlformats.org/drawingml/2006/main" xmlns:r="http://schemas.openxmlformats.org/officeDocument/2006/relationships" xmlns:p="http://schemas.openxmlformats.org/presentationml/2006/main">
+  <p:cSld>
+    <p:spTree>
+      <p:nvGrpSpPr>
+        <p:cNvPr id="1" name=""/>
+        <p:cNvGrpSpPr/>
+        <p:nvPr/>
+      </p:nvGrpSpPr>
+      <p:grpSpPr>
+        <a:xfrm>
+          <a:off x="0" y="0"/>
+          <a:ext cx="0" cy="0"/>
+          <a:chOff x="0" y="0"/>
+          <a:chExt cx="0" cy="0"/>
+        </a:xfrm>
+      </p:grpSpPr>
+      <p:sp>
+        <p:nvSpPr>
+          <p:cNvPr id="2" name="Content Placeholder 1"/>
+          <p:cNvSpPr>
+            <a:spLocks noGrp="1"/>
+          </p:cNvSpPr>
+          <p:nvPr>
+            <p:ph idx="1"/>
+          </p:nvPr>
+        </p:nvSpPr>
+        <p:spPr/>
+        <p:txBody>
+          <a:bodyPr/>
+          <a:lstStyle/>
+          <a:p>
             <a:endParaRPr lang="en-US" dirty="0"/>
           </a:p>
         </p:txBody>
@@ -4978,6 +5557,13 @@
   <p:clrMapOvr>
     <a:masterClrMapping/>
   </p:clrMapOvr>
+  <p:timing>
+    <p:tnLst>
+      <p:par>
+        <p:cTn id="1" dur="indefinite" restart="never" nodeType="tmRoot"/>
+      </p:par>
+    </p:tnLst>
+  </p:timing>
 </p:sld>
 </file>
 
@@ -5010,10 +5596,83 @@
         </p:nvSpPr>
         <p:spPr/>
         <p:txBody>
-          <a:bodyPr/>
-          <a:lstStyle/>
-          <a:p>
-            <a:endParaRPr lang="en-US" dirty="0"/>
+          <a:bodyPr>
+            <a:normAutofit/>
+          </a:bodyPr>
+          <a:lstStyle/>
+          <a:p>
+            <a:r>
+              <a:rPr lang="en-US" dirty="0" smtClean="0"/>
+              <a:t>1. Background</a:t>
+            </a:r>
+          </a:p>
+          <a:p>
+            <a:r>
+              <a:rPr lang="en-US" dirty="0" smtClean="0"/>
+              <a:t>2. Ideal</a:t>
+            </a:r>
+          </a:p>
+          <a:p>
+            <a:r>
+              <a:rPr lang="en-US" dirty="0" smtClean="0"/>
+              <a:t>3. </a:t>
+            </a:r>
+            <a:r>
+              <a:rPr lang="en-US" dirty="0"/>
+              <a:t>Objective</a:t>
+            </a:r>
+          </a:p>
+          <a:p>
+            <a:r>
+              <a:rPr lang="en-US" dirty="0" smtClean="0"/>
+              <a:t>4. Project Management Plan</a:t>
+            </a:r>
+          </a:p>
+          <a:p>
+            <a:r>
+              <a:rPr lang="en-US" dirty="0"/>
+              <a:t>5</a:t>
+            </a:r>
+            <a:r>
+              <a:rPr lang="en-US" dirty="0" smtClean="0"/>
+              <a:t>. Software Requirement Specification</a:t>
+            </a:r>
+          </a:p>
+          <a:p>
+            <a:r>
+              <a:rPr lang="en-US" dirty="0"/>
+              <a:t>6</a:t>
+            </a:r>
+            <a:r>
+              <a:rPr lang="en-US" dirty="0" smtClean="0"/>
+              <a:t>. System Analysis and Design</a:t>
+            </a:r>
+          </a:p>
+          <a:p>
+            <a:r>
+              <a:rPr lang="en-US" dirty="0"/>
+              <a:t>7</a:t>
+            </a:r>
+            <a:r>
+              <a:rPr lang="en-US" dirty="0" smtClean="0"/>
+              <a:t>. Test Plan and Test Report</a:t>
+            </a:r>
+          </a:p>
+          <a:p>
+            <a:r>
+              <a:rPr lang="en-US" dirty="0" smtClean="0"/>
+              <a:t>8. Summary</a:t>
+            </a:r>
+          </a:p>
+          <a:p>
+            <a:r>
+              <a:rPr lang="en-US" dirty="0"/>
+              <a:t>9</a:t>
+            </a:r>
+            <a:r>
+              <a:rPr lang="en-US" dirty="0" smtClean="0"/>
+              <a:t>. Q&amp;A</a:t>
+            </a:r>
           </a:p>
         </p:txBody>
       </p:sp>
@@ -5157,7 +5816,7 @@
           <a:bodyPr/>
           <a:lstStyle/>
           <a:p>
-            <a:endParaRPr lang="en-US"/>
+            <a:endParaRPr lang="en-US" dirty="0"/>
           </a:p>
         </p:txBody>
       </p:sp>
@@ -5178,7 +5837,7 @@
           <a:p>
             <a:r>
               <a:rPr lang="en-US" dirty="0" smtClean="0"/>
-              <a:t>idea</a:t>
+              <a:t>Idea</a:t>
             </a:r>
             <a:endParaRPr lang="en-US" dirty="0"/>
           </a:p>
@@ -5301,7 +5960,32 @@
           <a:bodyPr/>
           <a:lstStyle/>
           <a:p>
-            <a:endParaRPr lang="en-US"/>
+            <a:r>
+              <a:rPr lang="en-US" dirty="0" smtClean="0"/>
+              <a:t>1. Software process model</a:t>
+            </a:r>
+          </a:p>
+          <a:p>
+            <a:r>
+              <a:rPr lang="en-US" dirty="0" smtClean="0"/>
+              <a:t>2. Project plan</a:t>
+            </a:r>
+          </a:p>
+          <a:p>
+            <a:r>
+              <a:rPr lang="en-US" dirty="0" smtClean="0"/>
+              <a:t>3. Risk management</a:t>
+            </a:r>
+          </a:p>
+          <a:p>
+            <a:r>
+              <a:rPr lang="en-US" dirty="0" smtClean="0"/>
+              <a:t>4. Quality Plan</a:t>
+            </a:r>
+            <a:endParaRPr lang="en-US" dirty="0" smtClean="0"/>
+          </a:p>
+          <a:p>
+            <a:endParaRPr lang="en-US" dirty="0" smtClean="0"/>
           </a:p>
         </p:txBody>
       </p:sp>
@@ -5321,10 +6005,9 @@
           <a:lstStyle/>
           <a:p>
             <a:r>
-              <a:rPr lang="en-US" dirty="0" smtClean="0"/>
-              <a:t>Project management</a:t>
-            </a:r>
-            <a:endParaRPr lang="en-US" dirty="0"/>
+              <a:rPr lang="en-US" dirty="0"/>
+              <a:t>Project Management Plan</a:t>
+            </a:r>
           </a:p>
         </p:txBody>
       </p:sp>
@@ -5373,7 +6056,11 @@
           <a:bodyPr/>
           <a:lstStyle/>
           <a:p>
-            <a:endParaRPr lang="en-US"/>
+            <a:r>
+              <a:rPr lang="en-US" dirty="0" smtClean="0"/>
+              <a:t>Iterative Model</a:t>
+            </a:r>
+            <a:endParaRPr lang="en-US" dirty="0"/>
           </a:p>
         </p:txBody>
       </p:sp>
@@ -5393,13 +6080,57 @@
           <a:lstStyle/>
           <a:p>
             <a:r>
+              <a:rPr lang="en-US" dirty="0"/>
+              <a:t>Project Management </a:t>
+            </a:r>
+            <a:r>
               <a:rPr lang="en-US" dirty="0" smtClean="0"/>
-              <a:t>Project plan</a:t>
-            </a:r>
-            <a:endParaRPr lang="en-US" dirty="0"/>
-          </a:p>
-        </p:txBody>
-      </p:sp>
+              <a:t>Plan </a:t>
+            </a:r>
+            <a:br>
+              <a:rPr lang="en-US" dirty="0" smtClean="0"/>
+            </a:br>
+            <a:r>
+              <a:rPr lang="en-US" sz="2400" dirty="0" smtClean="0"/>
+              <a:t>Software process model</a:t>
+            </a:r>
+            <a:endParaRPr lang="en-US" sz="2400" dirty="0"/>
+          </a:p>
+        </p:txBody>
+      </p:sp>
+      <p:pic>
+        <p:nvPicPr>
+          <p:cNvPr id="4" name="Picture 3" descr="http://www.arctern.com/uploadedimages/iterative-model.jpg"/>
+          <p:cNvPicPr/>
+          <p:nvPr/>
+        </p:nvPicPr>
+        <p:blipFill>
+          <a:blip r:embed="rId2">
+            <a:extLst>
+              <a:ext uri="{28A0092B-C50C-407E-A947-70E740481C1C}">
+                <a14:useLocalDpi xmlns:a14="http://schemas.microsoft.com/office/drawing/2010/main" val="0"/>
+              </a:ext>
+            </a:extLst>
+          </a:blip>
+          <a:srcRect/>
+          <a:stretch>
+            <a:fillRect/>
+          </a:stretch>
+        </p:blipFill>
+        <p:spPr bwMode="auto">
+          <a:xfrm>
+            <a:off x="1981200" y="2209800"/>
+            <a:ext cx="5181600" cy="3505200"/>
+          </a:xfrm>
+          <a:prstGeom prst="rect">
+            <a:avLst/>
+          </a:prstGeom>
+          <a:noFill/>
+          <a:ln>
+            <a:noFill/>
+          </a:ln>
+        </p:spPr>
+      </p:pic>
     </p:spTree>
     <p:extLst>
       <p:ext uri="{BB962C8B-B14F-4D97-AF65-F5344CB8AC3E}">
@@ -5410,6 +6141,13 @@
   <p:clrMapOvr>
     <a:masterClrMapping/>
   </p:clrMapOvr>
+  <p:timing>
+    <p:tnLst>
+      <p:par>
+        <p:cTn id="1" dur="indefinite" restart="never" nodeType="tmRoot"/>
+      </p:par>
+    </p:tnLst>
+  </p:timing>
 </p:sld>
 </file>
 
@@ -5440,12 +6178,21 @@
             <p:ph idx="1"/>
           </p:nvPr>
         </p:nvSpPr>
-        <p:spPr/>
-        <p:txBody>
-          <a:bodyPr/>
-          <a:lstStyle/>
-          <a:p>
-            <a:endParaRPr lang="en-US"/>
+        <p:spPr>
+          <a:xfrm>
+            <a:off x="228600" y="1600200"/>
+            <a:ext cx="8407893" cy="4407408"/>
+          </a:xfrm>
+        </p:spPr>
+        <p:txBody>
+          <a:bodyPr/>
+          <a:lstStyle/>
+          <a:p>
+            <a:r>
+              <a:rPr lang="en-US" dirty="0" smtClean="0"/>
+              <a:t>Role and Responsible</a:t>
+            </a:r>
+            <a:endParaRPr lang="en-US" dirty="0"/>
           </a:p>
         </p:txBody>
       </p:sp>
@@ -5465,13 +6212,57 @@
           <a:lstStyle/>
           <a:p>
             <a:r>
+              <a:rPr lang="en-US" dirty="0"/>
+              <a:t>Project Management </a:t>
+            </a:r>
+            <a:r>
               <a:rPr lang="en-US" dirty="0" smtClean="0"/>
-              <a:t>Risk management</a:t>
-            </a:r>
-            <a:endParaRPr lang="en-US" dirty="0"/>
-          </a:p>
-        </p:txBody>
-      </p:sp>
+              <a:t>Plan</a:t>
+            </a:r>
+            <a:br>
+              <a:rPr lang="en-US" dirty="0" smtClean="0"/>
+            </a:br>
+            <a:r>
+              <a:rPr lang="en-US" sz="2400" dirty="0" smtClean="0"/>
+              <a:t>Project Plan</a:t>
+            </a:r>
+            <a:endParaRPr lang="en-US" sz="3600" dirty="0"/>
+          </a:p>
+        </p:txBody>
+      </p:sp>
+      <p:pic>
+        <p:nvPicPr>
+          <p:cNvPr id="4" name="Picture 3" descr="D:\e-learning-website\User\NamKT\role vs responsible.png"/>
+          <p:cNvPicPr/>
+          <p:nvPr/>
+        </p:nvPicPr>
+        <p:blipFill>
+          <a:blip r:embed="rId2">
+            <a:extLst>
+              <a:ext uri="{28A0092B-C50C-407E-A947-70E740481C1C}">
+                <a14:useLocalDpi xmlns:a14="http://schemas.microsoft.com/office/drawing/2010/main" val="0"/>
+              </a:ext>
+            </a:extLst>
+          </a:blip>
+          <a:srcRect/>
+          <a:stretch>
+            <a:fillRect/>
+          </a:stretch>
+        </p:blipFill>
+        <p:spPr bwMode="auto">
+          <a:xfrm>
+            <a:off x="1524000" y="1986699"/>
+            <a:ext cx="6542202" cy="4648200"/>
+          </a:xfrm>
+          <a:prstGeom prst="rect">
+            <a:avLst/>
+          </a:prstGeom>
+          <a:noFill/>
+          <a:ln>
+            <a:noFill/>
+          </a:ln>
+        </p:spPr>
+      </p:pic>
     </p:spTree>
     <p:extLst>
       <p:ext uri="{BB962C8B-B14F-4D97-AF65-F5344CB8AC3E}">
@@ -5482,6 +6273,13 @@
   <p:clrMapOvr>
     <a:masterClrMapping/>
   </p:clrMapOvr>
+  <p:timing>
+    <p:tnLst>
+      <p:par>
+        <p:cTn id="1" dur="indefinite" restart="never" nodeType="tmRoot"/>
+      </p:par>
+    </p:tnLst>
+  </p:timing>
 </p:sld>
 </file>
 

--- a/Document/Final report/Slide E-Learning project.pptx
+++ b/Document/Final report/Slide E-Learning project.pptx
@@ -7,13 +7,13 @@
   <p:sldIdLst>
     <p:sldId id="256" r:id="rId2"/>
     <p:sldId id="257" r:id="rId3"/>
-    <p:sldId id="258" r:id="rId4"/>
-    <p:sldId id="259" r:id="rId5"/>
-    <p:sldId id="260" r:id="rId6"/>
-    <p:sldId id="261" r:id="rId7"/>
-    <p:sldId id="262" r:id="rId8"/>
-    <p:sldId id="263" r:id="rId9"/>
-    <p:sldId id="264" r:id="rId10"/>
+    <p:sldId id="282" r:id="rId4"/>
+    <p:sldId id="258" r:id="rId5"/>
+    <p:sldId id="259" r:id="rId6"/>
+    <p:sldId id="260" r:id="rId7"/>
+    <p:sldId id="261" r:id="rId8"/>
+    <p:sldId id="262" r:id="rId9"/>
+    <p:sldId id="263" r:id="rId10"/>
     <p:sldId id="280" r:id="rId11"/>
     <p:sldId id="265" r:id="rId12"/>
     <p:sldId id="279" r:id="rId13"/>
@@ -134,13 +134,13 @@
           <p14:sldIdLst>
             <p14:sldId id="256"/>
             <p14:sldId id="257"/>
+            <p14:sldId id="282"/>
             <p14:sldId id="258"/>
             <p14:sldId id="259"/>
             <p14:sldId id="260"/>
             <p14:sldId id="261"/>
             <p14:sldId id="262"/>
             <p14:sldId id="263"/>
-            <p14:sldId id="264"/>
             <p14:sldId id="280"/>
             <p14:sldId id="265"/>
             <p14:sldId id="279"/>
@@ -3927,6 +3927,13 @@
   <p:clrMapOvr>
     <a:masterClrMapping/>
   </p:clrMapOvr>
+  <p:timing>
+    <p:tnLst>
+      <p:par>
+        <p:cTn id="1" dur="indefinite" restart="never" nodeType="tmRoot"/>
+      </p:par>
+    </p:tnLst>
+  </p:timing>
 </p:sld>
 </file>
 
@@ -3964,7 +3971,15 @@
           <a:p>
             <a:r>
               <a:rPr lang="en-US" dirty="0" smtClean="0"/>
-              <a:t>Overall Plan</a:t>
+              <a:t>Overall </a:t>
+            </a:r>
+            <a:r>
+              <a:rPr lang="en-US" dirty="0" smtClean="0"/>
+              <a:t>Plan </a:t>
+            </a:r>
+            <a:r>
+              <a:rPr lang="en-US" dirty="0" err="1" smtClean="0"/>
+              <a:t>hieunm</a:t>
             </a:r>
             <a:endParaRPr lang="en-US" dirty="0"/>
           </a:p>
@@ -4116,7 +4131,15 @@
           <a:bodyPr/>
           <a:lstStyle/>
           <a:p>
-            <a:endParaRPr lang="en-US"/>
+            <a:r>
+              <a:rPr lang="en-US" dirty="0" err="1" smtClean="0"/>
+              <a:t>Hieu</a:t>
+            </a:r>
+            <a:r>
+              <a:rPr lang="en-US" dirty="0" smtClean="0"/>
+              <a:t> nm</a:t>
+            </a:r>
+            <a:endParaRPr lang="en-US" dirty="0"/>
           </a:p>
         </p:txBody>
       </p:sp>
@@ -4206,7 +4229,15 @@
           <a:bodyPr/>
           <a:lstStyle/>
           <a:p>
-            <a:endParaRPr lang="en-US"/>
+            <a:r>
+              <a:rPr lang="en-US" dirty="0" err="1" smtClean="0"/>
+              <a:t>Hieu</a:t>
+            </a:r>
+            <a:r>
+              <a:rPr lang="en-US" dirty="0" smtClean="0"/>
+              <a:t> nm</a:t>
+            </a:r>
+            <a:endParaRPr lang="en-US" dirty="0"/>
           </a:p>
         </p:txBody>
       </p:sp>
@@ -4470,7 +4501,23 @@
           <a:p>
             <a:r>
               <a:rPr lang="en-US" dirty="0" smtClean="0"/>
-              <a:t>Success criteria</a:t>
+              <a:t>Success </a:t>
+            </a:r>
+            <a:r>
+              <a:rPr lang="en-US" dirty="0" smtClean="0"/>
+              <a:t>criteria </a:t>
+            </a:r>
+            <a:r>
+              <a:rPr lang="en-US" dirty="0" err="1" smtClean="0"/>
+              <a:t>huy</a:t>
+            </a:r>
+            <a:r>
+              <a:rPr lang="en-US" dirty="0" smtClean="0"/>
+              <a:t> </a:t>
+            </a:r>
+            <a:r>
+              <a:rPr lang="en-US" dirty="0" err="1" smtClean="0"/>
+              <a:t>nt</a:t>
             </a:r>
             <a:endParaRPr lang="en-US" dirty="0"/>
           </a:p>
@@ -4530,7 +4577,25 @@
           <a:p>
             <a:r>
               <a:rPr lang="en-US" dirty="0" smtClean="0"/>
-              <a:t>Functional requirement</a:t>
+              <a:t>Functional </a:t>
+            </a:r>
+            <a:r>
+              <a:rPr lang="en-US" dirty="0" smtClean="0"/>
+              <a:t>requirement</a:t>
+            </a:r>
+          </a:p>
+          <a:p>
+            <a:r>
+              <a:rPr lang="en-US" dirty="0" err="1" smtClean="0"/>
+              <a:t>Huy</a:t>
+            </a:r>
+            <a:r>
+              <a:rPr lang="en-US" dirty="0" smtClean="0"/>
+              <a:t> </a:t>
+            </a:r>
+            <a:r>
+              <a:rPr lang="en-US" dirty="0" err="1" smtClean="0"/>
+              <a:t>nt</a:t>
             </a:r>
             <a:endParaRPr lang="en-US" dirty="0"/>
           </a:p>
@@ -4613,7 +4678,25 @@
           <a:p>
             <a:r>
               <a:rPr lang="en-US" dirty="0" smtClean="0"/>
-              <a:t>Non-functional requirement</a:t>
+              <a:t>Non-functional </a:t>
+            </a:r>
+            <a:r>
+              <a:rPr lang="en-US" dirty="0" smtClean="0"/>
+              <a:t>requirement</a:t>
+            </a:r>
+          </a:p>
+          <a:p>
+            <a:r>
+              <a:rPr lang="en-US" dirty="0" err="1" smtClean="0"/>
+              <a:t>Huy</a:t>
+            </a:r>
+            <a:r>
+              <a:rPr lang="en-US" dirty="0" smtClean="0"/>
+              <a:t> </a:t>
+            </a:r>
+            <a:r>
+              <a:rPr lang="en-US" dirty="0" err="1" smtClean="0"/>
+              <a:t>nt</a:t>
             </a:r>
             <a:endParaRPr lang="en-US" dirty="0"/>
           </a:p>
@@ -4702,7 +4785,7 @@
         </p:blipFill>
         <p:spPr>
           <a:xfrm>
-            <a:off x="1219200" y="1066799"/>
+            <a:off x="1981200" y="990600"/>
             <a:ext cx="6799040" cy="5791201"/>
           </a:xfrm>
         </p:spPr>
@@ -4744,7 +4827,11 @@
             </a:r>
             <a:r>
               <a:rPr lang="en-US" sz="2400" dirty="0" smtClean="0"/>
-              <a:t>design</a:t>
+              <a:t>design </a:t>
+            </a:r>
+            <a:r>
+              <a:rPr lang="en-US" sz="2400" dirty="0" err="1" smtClean="0"/>
+              <a:t>namnh</a:t>
             </a:r>
             <a:endParaRPr lang="en-US" sz="2400" dirty="0"/>
           </a:p>
@@ -4844,7 +4931,15 @@
             </a:br>
             <a:r>
               <a:rPr lang="en-US" sz="2400" dirty="0" smtClean="0"/>
-              <a:t>Database Structure</a:t>
+              <a:t>Database </a:t>
+            </a:r>
+            <a:r>
+              <a:rPr lang="en-US" sz="2400" dirty="0" smtClean="0"/>
+              <a:t>Structure </a:t>
+            </a:r>
+            <a:r>
+              <a:rPr lang="en-US" sz="2400" dirty="0" err="1" smtClean="0"/>
+              <a:t>namnh</a:t>
             </a:r>
             <a:endParaRPr lang="en-US" sz="2400" dirty="0"/>
           </a:p>
@@ -4915,7 +5010,11 @@
             </a:r>
             <a:r>
               <a:rPr lang="en-US" sz="2400" dirty="0" smtClean="0"/>
-              <a:t>diagram</a:t>
+              <a:t>diagram </a:t>
+            </a:r>
+            <a:r>
+              <a:rPr lang="en-US" sz="2400" dirty="0" err="1" smtClean="0"/>
+              <a:t>namnh</a:t>
             </a:r>
             <a:endParaRPr lang="en-US" sz="2400" dirty="0"/>
           </a:p>
@@ -5042,7 +5141,11 @@
             </a:r>
             <a:r>
               <a:rPr lang="en-US" sz="2400" dirty="0" smtClean="0"/>
-              <a:t>diagram</a:t>
+              <a:t>diagram </a:t>
+            </a:r>
+            <a:r>
+              <a:rPr lang="en-US" sz="2400" dirty="0" err="1" smtClean="0"/>
+              <a:t>namnh</a:t>
             </a:r>
             <a:endParaRPr lang="en-US" sz="2400" dirty="0"/>
           </a:p>
@@ -5133,7 +5236,11 @@
           <a:bodyPr/>
           <a:lstStyle/>
           <a:p>
-            <a:endParaRPr lang="en-US"/>
+            <a:r>
+              <a:rPr lang="en-US" dirty="0" err="1" smtClean="0"/>
+              <a:t>minhnt</a:t>
+            </a:r>
+            <a:endParaRPr lang="en-US" dirty="0"/>
           </a:p>
         </p:txBody>
       </p:sp>
@@ -5160,6 +5267,70 @@
           </a:p>
         </p:txBody>
       </p:sp>
+      <p:pic>
+        <p:nvPicPr>
+          <p:cNvPr id="1026" name="Picture 2"/>
+          <p:cNvPicPr>
+            <a:picLocks noChangeAspect="1" noChangeArrowheads="1"/>
+          </p:cNvPicPr>
+          <p:nvPr/>
+        </p:nvPicPr>
+        <p:blipFill>
+          <a:blip r:embed="rId2">
+            <a:extLst>
+              <a:ext uri="{28A0092B-C50C-407E-A947-70E740481C1C}">
+                <a14:useLocalDpi xmlns:a14="http://schemas.microsoft.com/office/drawing/2010/main" val="0"/>
+              </a:ext>
+            </a:extLst>
+          </a:blip>
+          <a:srcRect/>
+          <a:stretch>
+            <a:fillRect/>
+          </a:stretch>
+        </p:blipFill>
+        <p:spPr bwMode="auto">
+          <a:xfrm>
+            <a:off x="5029200" y="4876800"/>
+            <a:ext cx="3800475" cy="1666875"/>
+          </a:xfrm>
+          <a:prstGeom prst="rect">
+            <a:avLst/>
+          </a:prstGeom>
+          <a:noFill/>
+          <a:ln>
+            <a:noFill/>
+          </a:ln>
+          <a:effectLst/>
+          <a:extLst>
+            <a:ext uri="{909E8E84-426E-40DD-AFC4-6F175D3DCCD1}">
+              <a14:hiddenFill xmlns:a14="http://schemas.microsoft.com/office/drawing/2010/main">
+                <a:solidFill>
+                  <a:schemeClr val="accent1"/>
+                </a:solidFill>
+              </a14:hiddenFill>
+            </a:ext>
+            <a:ext uri="{91240B29-F687-4F45-9708-019B960494DF}">
+              <a14:hiddenLine xmlns:a14="http://schemas.microsoft.com/office/drawing/2010/main" w="9525">
+                <a:solidFill>
+                  <a:schemeClr val="tx1"/>
+                </a:solidFill>
+                <a:miter lim="800000"/>
+                <a:headEnd/>
+                <a:tailEnd/>
+              </a14:hiddenLine>
+            </a:ext>
+            <a:ext uri="{AF507438-7753-43E0-B8FC-AC1667EBCBE1}">
+              <a14:hiddenEffects xmlns:a14="http://schemas.microsoft.com/office/drawing/2010/main">
+                <a:effectLst>
+                  <a:outerShdw dist="35921" dir="2700000" algn="ctr" rotWithShape="0">
+                    <a:schemeClr val="bg2"/>
+                  </a:outerShdw>
+                </a:effectLst>
+              </a14:hiddenEffects>
+            </a:ext>
+          </a:extLst>
+        </p:spPr>
+      </p:pic>
     </p:spTree>
     <p:extLst>
       <p:ext uri="{BB962C8B-B14F-4D97-AF65-F5344CB8AC3E}">
@@ -5170,6 +5341,13 @@
   <p:clrMapOvr>
     <a:masterClrMapping/>
   </p:clrMapOvr>
+  <p:timing>
+    <p:tnLst>
+      <p:par>
+        <p:cTn id="1" dur="indefinite" restart="never" nodeType="tmRoot"/>
+      </p:par>
+    </p:tnLst>
+  </p:timing>
 </p:sld>
 </file>
 
@@ -5205,7 +5383,15 @@
           <a:bodyPr/>
           <a:lstStyle/>
           <a:p>
-            <a:endParaRPr lang="en-US"/>
+            <a:r>
+              <a:rPr lang="en-US" dirty="0" smtClean="0"/>
+              <a:t>Hung </a:t>
+            </a:r>
+            <a:r>
+              <a:rPr lang="en-US" dirty="0" err="1" smtClean="0"/>
+              <a:t>nt</a:t>
+            </a:r>
+            <a:endParaRPr lang="en-US" dirty="0"/>
           </a:p>
         </p:txBody>
       </p:sp>
@@ -5284,7 +5470,15 @@
           <a:bodyPr/>
           <a:lstStyle/>
           <a:p>
-            <a:endParaRPr lang="en-US"/>
+            <a:r>
+              <a:rPr lang="en-US" dirty="0" smtClean="0"/>
+              <a:t>Hung </a:t>
+            </a:r>
+            <a:r>
+              <a:rPr lang="en-US" dirty="0" err="1" smtClean="0"/>
+              <a:t>nt</a:t>
+            </a:r>
+            <a:endParaRPr lang="en-US" dirty="0"/>
           </a:p>
         </p:txBody>
       </p:sp>
@@ -5363,7 +5557,15 @@
           <a:bodyPr/>
           <a:lstStyle/>
           <a:p>
-            <a:endParaRPr lang="en-US"/>
+            <a:r>
+              <a:rPr lang="en-US" dirty="0" smtClean="0"/>
+              <a:t>Hung </a:t>
+            </a:r>
+            <a:r>
+              <a:rPr lang="en-US" dirty="0" err="1" smtClean="0"/>
+              <a:t>nt</a:t>
+            </a:r>
+            <a:endParaRPr lang="en-US" dirty="0"/>
           </a:p>
         </p:txBody>
       </p:sp>
@@ -5594,121 +5796,116 @@
             <p:ph idx="1"/>
           </p:nvPr>
         </p:nvSpPr>
-        <p:spPr/>
-        <p:txBody>
-          <a:bodyPr>
-            <a:normAutofit/>
-          </a:bodyPr>
+        <p:spPr>
+          <a:xfrm>
+            <a:off x="228600" y="1600200"/>
+            <a:ext cx="8407893" cy="4407408"/>
+          </a:xfrm>
+        </p:spPr>
+        <p:txBody>
+          <a:bodyPr/>
           <a:lstStyle/>
           <a:p>
             <a:r>
               <a:rPr lang="en-US" dirty="0" smtClean="0"/>
-              <a:t>1. Background</a:t>
-            </a:r>
-          </a:p>
-          <a:p>
+              <a:t>Role and </a:t>
+            </a:r>
             <a:r>
               <a:rPr lang="en-US" dirty="0" smtClean="0"/>
-              <a:t>2. Ideal</a:t>
-            </a:r>
-          </a:p>
-          <a:p>
+              <a:t>Responsible  </a:t>
+            </a:r>
+            <a:r>
+              <a:rPr lang="en-US" dirty="0" err="1" smtClean="0"/>
+              <a:t>minhnt</a:t>
+            </a:r>
+            <a:endParaRPr lang="en-US" dirty="0"/>
+          </a:p>
+        </p:txBody>
+      </p:sp>
+      <p:sp>
+        <p:nvSpPr>
+          <p:cNvPr id="3" name="Title 2"/>
+          <p:cNvSpPr>
+            <a:spLocks noGrp="1"/>
+          </p:cNvSpPr>
+          <p:nvPr>
+            <p:ph type="title"/>
+          </p:nvPr>
+        </p:nvSpPr>
+        <p:spPr/>
+        <p:txBody>
+          <a:bodyPr/>
+          <a:lstStyle/>
+          <a:p>
+            <a:r>
+              <a:rPr lang="en-US" dirty="0"/>
+              <a:t>Project Management </a:t>
+            </a:r>
             <a:r>
               <a:rPr lang="en-US" dirty="0" smtClean="0"/>
-              <a:t>3. </a:t>
-            </a:r>
-            <a:r>
-              <a:rPr lang="en-US" dirty="0"/>
-              <a:t>Objective</a:t>
-            </a:r>
-          </a:p>
-          <a:p>
-            <a:r>
+              <a:t>Plan</a:t>
+            </a:r>
+            <a:br>
               <a:rPr lang="en-US" dirty="0" smtClean="0"/>
-              <a:t>4. Project Management Plan</a:t>
-            </a:r>
-          </a:p>
-          <a:p>
-            <a:r>
-              <a:rPr lang="en-US" dirty="0"/>
-              <a:t>5</a:t>
-            </a:r>
-            <a:r>
-              <a:rPr lang="en-US" dirty="0" smtClean="0"/>
-              <a:t>. Software Requirement Specification</a:t>
-            </a:r>
-          </a:p>
-          <a:p>
-            <a:r>
-              <a:rPr lang="en-US" dirty="0"/>
-              <a:t>6</a:t>
-            </a:r>
-            <a:r>
-              <a:rPr lang="en-US" dirty="0" smtClean="0"/>
-              <a:t>. System Analysis and Design</a:t>
-            </a:r>
-          </a:p>
-          <a:p>
-            <a:r>
-              <a:rPr lang="en-US" dirty="0"/>
-              <a:t>7</a:t>
-            </a:r>
-            <a:r>
-              <a:rPr lang="en-US" dirty="0" smtClean="0"/>
-              <a:t>. Test Plan and Test Report</a:t>
-            </a:r>
-          </a:p>
-          <a:p>
-            <a:r>
-              <a:rPr lang="en-US" dirty="0" smtClean="0"/>
-              <a:t>8. Summary</a:t>
-            </a:r>
-          </a:p>
-          <a:p>
-            <a:r>
-              <a:rPr lang="en-US" dirty="0"/>
-              <a:t>9</a:t>
-            </a:r>
-            <a:r>
-              <a:rPr lang="en-US" dirty="0" smtClean="0"/>
-              <a:t>. Q&amp;A</a:t>
-            </a:r>
-          </a:p>
-        </p:txBody>
-      </p:sp>
-      <p:sp>
-        <p:nvSpPr>
-          <p:cNvPr id="3" name="Title 2"/>
-          <p:cNvSpPr>
-            <a:spLocks noGrp="1"/>
-          </p:cNvSpPr>
-          <p:nvPr>
-            <p:ph type="title"/>
-          </p:nvPr>
-        </p:nvSpPr>
-        <p:spPr/>
-        <p:txBody>
-          <a:bodyPr/>
-          <a:lstStyle/>
-          <a:p>
-            <a:r>
-              <a:rPr lang="en-US" dirty="0" smtClean="0"/>
-              <a:t>Table content</a:t>
-            </a:r>
-            <a:endParaRPr lang="en-US" dirty="0"/>
-          </a:p>
-        </p:txBody>
-      </p:sp>
+            </a:br>
+            <a:r>
+              <a:rPr lang="en-US" sz="2400" dirty="0" smtClean="0"/>
+              <a:t>Project Plan</a:t>
+            </a:r>
+            <a:endParaRPr lang="en-US" sz="3600" dirty="0"/>
+          </a:p>
+        </p:txBody>
+      </p:sp>
+      <p:pic>
+        <p:nvPicPr>
+          <p:cNvPr id="4" name="Picture 3" descr="D:\e-learning-website\User\NamKT\role vs responsible.png"/>
+          <p:cNvPicPr/>
+          <p:nvPr/>
+        </p:nvPicPr>
+        <p:blipFill>
+          <a:blip r:embed="rId2">
+            <a:extLst>
+              <a:ext uri="{28A0092B-C50C-407E-A947-70E740481C1C}">
+                <a14:useLocalDpi xmlns:a14="http://schemas.microsoft.com/office/drawing/2010/main" val="0"/>
+              </a:ext>
+            </a:extLst>
+          </a:blip>
+          <a:srcRect/>
+          <a:stretch>
+            <a:fillRect/>
+          </a:stretch>
+        </p:blipFill>
+        <p:spPr bwMode="auto">
+          <a:xfrm>
+            <a:off x="1524000" y="1986699"/>
+            <a:ext cx="6542202" cy="4648200"/>
+          </a:xfrm>
+          <a:prstGeom prst="rect">
+            <a:avLst/>
+          </a:prstGeom>
+          <a:noFill/>
+          <a:ln>
+            <a:noFill/>
+          </a:ln>
+        </p:spPr>
+      </p:pic>
     </p:spTree>
     <p:extLst>
       <p:ext uri="{BB962C8B-B14F-4D97-AF65-F5344CB8AC3E}">
-        <p14:creationId xmlns:p14="http://schemas.microsoft.com/office/powerpoint/2010/main" val="3233076406"/>
+        <p14:creationId xmlns:p14="http://schemas.microsoft.com/office/powerpoint/2010/main" val="3977490225"/>
       </p:ext>
     </p:extLst>
   </p:cSld>
   <p:clrMapOvr>
     <a:masterClrMapping/>
   </p:clrMapOvr>
+  <p:timing>
+    <p:tnLst>
+      <p:par>
+        <p:cTn id="1" dur="indefinite" restart="never" nodeType="tmRoot"/>
+      </p:par>
+    </p:tnLst>
+  </p:timing>
 </p:sld>
 </file>
 
@@ -5741,10 +5938,83 @@
         </p:nvSpPr>
         <p:spPr/>
         <p:txBody>
-          <a:bodyPr/>
-          <a:lstStyle/>
-          <a:p>
-            <a:endParaRPr lang="en-US" dirty="0"/>
+          <a:bodyPr>
+            <a:normAutofit/>
+          </a:bodyPr>
+          <a:lstStyle/>
+          <a:p>
+            <a:r>
+              <a:rPr lang="en-US" dirty="0" smtClean="0"/>
+              <a:t>1. Background</a:t>
+            </a:r>
+          </a:p>
+          <a:p>
+            <a:r>
+              <a:rPr lang="en-US" dirty="0" smtClean="0"/>
+              <a:t>2. Ideal</a:t>
+            </a:r>
+          </a:p>
+          <a:p>
+            <a:r>
+              <a:rPr lang="en-US" dirty="0" smtClean="0"/>
+              <a:t>3. </a:t>
+            </a:r>
+            <a:r>
+              <a:rPr lang="en-US" dirty="0"/>
+              <a:t>Objective</a:t>
+            </a:r>
+          </a:p>
+          <a:p>
+            <a:r>
+              <a:rPr lang="en-US" dirty="0" smtClean="0"/>
+              <a:t>4. Project Management Plan</a:t>
+            </a:r>
+          </a:p>
+          <a:p>
+            <a:r>
+              <a:rPr lang="en-US" dirty="0"/>
+              <a:t>5</a:t>
+            </a:r>
+            <a:r>
+              <a:rPr lang="en-US" dirty="0" smtClean="0"/>
+              <a:t>. Software Requirement Specification</a:t>
+            </a:r>
+          </a:p>
+          <a:p>
+            <a:r>
+              <a:rPr lang="en-US" dirty="0"/>
+              <a:t>6</a:t>
+            </a:r>
+            <a:r>
+              <a:rPr lang="en-US" dirty="0" smtClean="0"/>
+              <a:t>. System Analysis and Design</a:t>
+            </a:r>
+          </a:p>
+          <a:p>
+            <a:r>
+              <a:rPr lang="en-US" dirty="0"/>
+              <a:t>7</a:t>
+            </a:r>
+            <a:r>
+              <a:rPr lang="en-US" dirty="0" smtClean="0"/>
+              <a:t>. Test Plan and Test Report</a:t>
+            </a:r>
+          </a:p>
+          <a:p>
+            <a:r>
+              <a:rPr lang="en-US" dirty="0" smtClean="0"/>
+              <a:t>8. Summary</a:t>
+            </a:r>
+          </a:p>
+          <a:p>
+            <a:r>
+              <a:rPr lang="en-US" dirty="0"/>
+              <a:t>9</a:t>
+            </a:r>
+            <a:r>
+              <a:rPr lang="en-US" dirty="0" smtClean="0"/>
+              <a:t>. Q&amp;A</a:t>
+            </a:r>
           </a:p>
         </p:txBody>
       </p:sp>
@@ -5765,7 +6035,7 @@
           <a:p>
             <a:r>
               <a:rPr lang="en-US" dirty="0" smtClean="0"/>
-              <a:t>Background</a:t>
+              <a:t>Table content</a:t>
             </a:r>
             <a:endParaRPr lang="en-US" dirty="0"/>
           </a:p>
@@ -5774,13 +6044,20 @@
     </p:spTree>
     <p:extLst>
       <p:ext uri="{BB962C8B-B14F-4D97-AF65-F5344CB8AC3E}">
-        <p14:creationId xmlns:p14="http://schemas.microsoft.com/office/powerpoint/2010/main" val="4209400931"/>
+        <p14:creationId xmlns:p14="http://schemas.microsoft.com/office/powerpoint/2010/main" val="3233076406"/>
       </p:ext>
     </p:extLst>
   </p:cSld>
   <p:clrMapOvr>
     <a:masterClrMapping/>
   </p:clrMapOvr>
+  <p:timing>
+    <p:tnLst>
+      <p:par>
+        <p:cTn id="1" dur="indefinite" restart="never" nodeType="tmRoot"/>
+      </p:par>
+    </p:tnLst>
+  </p:timing>
 </p:sld>
 </file>
 
@@ -5816,6 +6093,10 @@
           <a:bodyPr/>
           <a:lstStyle/>
           <a:p>
+            <a:r>
+              <a:rPr lang="en-US" dirty="0" err="1" smtClean="0"/>
+              <a:t>minhnt</a:t>
+            </a:r>
             <a:endParaRPr lang="en-US" dirty="0"/>
           </a:p>
         </p:txBody>
@@ -5837,7 +6118,7 @@
           <a:p>
             <a:r>
               <a:rPr lang="en-US" dirty="0" smtClean="0"/>
-              <a:t>Idea</a:t>
+              <a:t>Background</a:t>
             </a:r>
             <a:endParaRPr lang="en-US" dirty="0"/>
           </a:p>
@@ -5846,13 +6127,20 @@
     </p:spTree>
     <p:extLst>
       <p:ext uri="{BB962C8B-B14F-4D97-AF65-F5344CB8AC3E}">
-        <p14:creationId xmlns:p14="http://schemas.microsoft.com/office/powerpoint/2010/main" val="3388348847"/>
+        <p14:creationId xmlns:p14="http://schemas.microsoft.com/office/powerpoint/2010/main" val="4209400931"/>
       </p:ext>
     </p:extLst>
   </p:cSld>
   <p:clrMapOvr>
     <a:masterClrMapping/>
   </p:clrMapOvr>
+  <p:timing>
+    <p:tnLst>
+      <p:par>
+        <p:cTn id="1" dur="indefinite" restart="never" nodeType="tmRoot"/>
+      </p:par>
+    </p:tnLst>
+  </p:timing>
 </p:sld>
 </file>
 
@@ -5888,7 +6176,11 @@
           <a:bodyPr/>
           <a:lstStyle/>
           <a:p>
-            <a:endParaRPr lang="en-US"/>
+            <a:r>
+              <a:rPr lang="en-US" dirty="0" err="1" smtClean="0"/>
+              <a:t>minhnt</a:t>
+            </a:r>
+            <a:endParaRPr lang="en-US" dirty="0"/>
           </a:p>
         </p:txBody>
       </p:sp>
@@ -5909,7 +6201,7 @@
           <a:p>
             <a:r>
               <a:rPr lang="en-US" dirty="0" smtClean="0"/>
-              <a:t>objective</a:t>
+              <a:t>Idea</a:t>
             </a:r>
             <a:endParaRPr lang="en-US" dirty="0"/>
           </a:p>
@@ -5918,13 +6210,20 @@
     </p:spTree>
     <p:extLst>
       <p:ext uri="{BB962C8B-B14F-4D97-AF65-F5344CB8AC3E}">
-        <p14:creationId xmlns:p14="http://schemas.microsoft.com/office/powerpoint/2010/main" val="2004588112"/>
+        <p14:creationId xmlns:p14="http://schemas.microsoft.com/office/powerpoint/2010/main" val="3388348847"/>
       </p:ext>
     </p:extLst>
   </p:cSld>
   <p:clrMapOvr>
     <a:masterClrMapping/>
   </p:clrMapOvr>
+  <p:timing>
+    <p:tnLst>
+      <p:par>
+        <p:cTn id="1" dur="indefinite" restart="never" nodeType="tmRoot"/>
+      </p:par>
+    </p:tnLst>
+  </p:timing>
 </p:sld>
 </file>
 
@@ -5962,65 +6261,56 @@
           <a:p>
             <a:r>
               <a:rPr lang="en-US" dirty="0" smtClean="0"/>
-              <a:t>1. Software process model</a:t>
-            </a:r>
-          </a:p>
+              <a:t>Minh </a:t>
+            </a:r>
+            <a:r>
+              <a:rPr lang="en-US" dirty="0" err="1" smtClean="0"/>
+              <a:t>nt</a:t>
+            </a:r>
+            <a:endParaRPr lang="en-US" dirty="0"/>
+          </a:p>
+        </p:txBody>
+      </p:sp>
+      <p:sp>
+        <p:nvSpPr>
+          <p:cNvPr id="3" name="Title 2"/>
+          <p:cNvSpPr>
+            <a:spLocks noGrp="1"/>
+          </p:cNvSpPr>
+          <p:nvPr>
+            <p:ph type="title"/>
+          </p:nvPr>
+        </p:nvSpPr>
+        <p:spPr/>
+        <p:txBody>
+          <a:bodyPr/>
+          <a:lstStyle/>
           <a:p>
             <a:r>
               <a:rPr lang="en-US" dirty="0" smtClean="0"/>
-              <a:t>2. Project plan</a:t>
-            </a:r>
-          </a:p>
-          <a:p>
-            <a:r>
-              <a:rPr lang="en-US" dirty="0" smtClean="0"/>
-              <a:t>3. Risk management</a:t>
-            </a:r>
-          </a:p>
-          <a:p>
-            <a:r>
-              <a:rPr lang="en-US" dirty="0" smtClean="0"/>
-              <a:t>4. Quality Plan</a:t>
-            </a:r>
-            <a:endParaRPr lang="en-US" dirty="0" smtClean="0"/>
-          </a:p>
-          <a:p>
-            <a:endParaRPr lang="en-US" dirty="0" smtClean="0"/>
-          </a:p>
-        </p:txBody>
-      </p:sp>
-      <p:sp>
-        <p:nvSpPr>
-          <p:cNvPr id="3" name="Title 2"/>
-          <p:cNvSpPr>
-            <a:spLocks noGrp="1"/>
-          </p:cNvSpPr>
-          <p:nvPr>
-            <p:ph type="title"/>
-          </p:nvPr>
-        </p:nvSpPr>
-        <p:spPr/>
-        <p:txBody>
-          <a:bodyPr/>
-          <a:lstStyle/>
-          <a:p>
-            <a:r>
-              <a:rPr lang="en-US" dirty="0"/>
-              <a:t>Project Management Plan</a:t>
-            </a:r>
+              <a:t>objective</a:t>
+            </a:r>
+            <a:endParaRPr lang="en-US" dirty="0"/>
           </a:p>
         </p:txBody>
       </p:sp>
     </p:spTree>
     <p:extLst>
       <p:ext uri="{BB962C8B-B14F-4D97-AF65-F5344CB8AC3E}">
-        <p14:creationId xmlns:p14="http://schemas.microsoft.com/office/powerpoint/2010/main" val="3002054362"/>
+        <p14:creationId xmlns:p14="http://schemas.microsoft.com/office/powerpoint/2010/main" val="2004588112"/>
       </p:ext>
     </p:extLst>
   </p:cSld>
   <p:clrMapOvr>
     <a:masterClrMapping/>
   </p:clrMapOvr>
+  <p:timing>
+    <p:tnLst>
+      <p:par>
+        <p:cTn id="1" dur="indefinite" restart="never" nodeType="tmRoot"/>
+      </p:par>
+    </p:tnLst>
+  </p:timing>
 </p:sld>
 </file>
 
@@ -6058,7 +6348,126 @@
           <a:p>
             <a:r>
               <a:rPr lang="en-US" dirty="0" smtClean="0"/>
-              <a:t>Iterative Model</a:t>
+              <a:t>1. Software process </a:t>
+            </a:r>
+            <a:r>
+              <a:rPr lang="en-US" dirty="0" smtClean="0"/>
+              <a:t>model </a:t>
+            </a:r>
+            <a:r>
+              <a:rPr lang="en-US" dirty="0" err="1" smtClean="0"/>
+              <a:t>hieunm</a:t>
+            </a:r>
+            <a:endParaRPr lang="en-US" dirty="0" smtClean="0"/>
+          </a:p>
+          <a:p>
+            <a:r>
+              <a:rPr lang="en-US" dirty="0" smtClean="0"/>
+              <a:t>2. Project plan</a:t>
+            </a:r>
+          </a:p>
+          <a:p>
+            <a:r>
+              <a:rPr lang="en-US" dirty="0" smtClean="0"/>
+              <a:t>3. Risk management</a:t>
+            </a:r>
+          </a:p>
+          <a:p>
+            <a:r>
+              <a:rPr lang="en-US" dirty="0" smtClean="0"/>
+              <a:t>4. Quality Plan</a:t>
+            </a:r>
+          </a:p>
+          <a:p>
+            <a:endParaRPr lang="en-US" dirty="0" smtClean="0"/>
+          </a:p>
+        </p:txBody>
+      </p:sp>
+      <p:sp>
+        <p:nvSpPr>
+          <p:cNvPr id="3" name="Title 2"/>
+          <p:cNvSpPr>
+            <a:spLocks noGrp="1"/>
+          </p:cNvSpPr>
+          <p:nvPr>
+            <p:ph type="title"/>
+          </p:nvPr>
+        </p:nvSpPr>
+        <p:spPr/>
+        <p:txBody>
+          <a:bodyPr/>
+          <a:lstStyle/>
+          <a:p>
+            <a:r>
+              <a:rPr lang="en-US" dirty="0"/>
+              <a:t>Project Management Plan</a:t>
+            </a:r>
+          </a:p>
+        </p:txBody>
+      </p:sp>
+    </p:spTree>
+    <p:extLst>
+      <p:ext uri="{BB962C8B-B14F-4D97-AF65-F5344CB8AC3E}">
+        <p14:creationId xmlns:p14="http://schemas.microsoft.com/office/powerpoint/2010/main" val="3002054362"/>
+      </p:ext>
+    </p:extLst>
+  </p:cSld>
+  <p:clrMapOvr>
+    <a:masterClrMapping/>
+  </p:clrMapOvr>
+  <p:timing>
+    <p:tnLst>
+      <p:par>
+        <p:cTn id="1" dur="indefinite" restart="never" nodeType="tmRoot"/>
+      </p:par>
+    </p:tnLst>
+  </p:timing>
+</p:sld>
+</file>
+
+<file path=ppt/slides/slide9.xml><?xml version="1.0" encoding="utf-8"?>
+<p:sld xmlns:a="http://schemas.openxmlformats.org/drawingml/2006/main" xmlns:r="http://schemas.openxmlformats.org/officeDocument/2006/relationships" xmlns:p="http://schemas.openxmlformats.org/presentationml/2006/main">
+  <p:cSld>
+    <p:spTree>
+      <p:nvGrpSpPr>
+        <p:cNvPr id="1" name=""/>
+        <p:cNvGrpSpPr/>
+        <p:nvPr/>
+      </p:nvGrpSpPr>
+      <p:grpSpPr>
+        <a:xfrm>
+          <a:off x="0" y="0"/>
+          <a:ext cx="0" cy="0"/>
+          <a:chOff x="0" y="0"/>
+          <a:chExt cx="0" cy="0"/>
+        </a:xfrm>
+      </p:grpSpPr>
+      <p:sp>
+        <p:nvSpPr>
+          <p:cNvPr id="2" name="Content Placeholder 1"/>
+          <p:cNvSpPr>
+            <a:spLocks noGrp="1"/>
+          </p:cNvSpPr>
+          <p:nvPr>
+            <p:ph idx="1"/>
+          </p:nvPr>
+        </p:nvSpPr>
+        <p:spPr/>
+        <p:txBody>
+          <a:bodyPr/>
+          <a:lstStyle/>
+          <a:p>
+            <a:r>
+              <a:rPr lang="en-US" dirty="0" smtClean="0"/>
+              <a:t>Iterative </a:t>
+            </a:r>
+            <a:r>
+              <a:rPr lang="en-US" dirty="0" smtClean="0"/>
+              <a:t>Model  </a:t>
+            </a:r>
+            <a:r>
+              <a:rPr lang="en-US" dirty="0" err="1" smtClean="0"/>
+              <a:t>hieunm</a:t>
             </a:r>
             <a:endParaRPr lang="en-US" dirty="0"/>
           </a:p>
@@ -6135,138 +6544,6 @@
     <p:extLst>
       <p:ext uri="{BB962C8B-B14F-4D97-AF65-F5344CB8AC3E}">
         <p14:creationId xmlns:p14="http://schemas.microsoft.com/office/powerpoint/2010/main" val="3373123735"/>
-      </p:ext>
-    </p:extLst>
-  </p:cSld>
-  <p:clrMapOvr>
-    <a:masterClrMapping/>
-  </p:clrMapOvr>
-  <p:timing>
-    <p:tnLst>
-      <p:par>
-        <p:cTn id="1" dur="indefinite" restart="never" nodeType="tmRoot"/>
-      </p:par>
-    </p:tnLst>
-  </p:timing>
-</p:sld>
-</file>
-
-<file path=ppt/slides/slide9.xml><?xml version="1.0" encoding="utf-8"?>
-<p:sld xmlns:a="http://schemas.openxmlformats.org/drawingml/2006/main" xmlns:r="http://schemas.openxmlformats.org/officeDocument/2006/relationships" xmlns:p="http://schemas.openxmlformats.org/presentationml/2006/main">
-  <p:cSld>
-    <p:spTree>
-      <p:nvGrpSpPr>
-        <p:cNvPr id="1" name=""/>
-        <p:cNvGrpSpPr/>
-        <p:nvPr/>
-      </p:nvGrpSpPr>
-      <p:grpSpPr>
-        <a:xfrm>
-          <a:off x="0" y="0"/>
-          <a:ext cx="0" cy="0"/>
-          <a:chOff x="0" y="0"/>
-          <a:chExt cx="0" cy="0"/>
-        </a:xfrm>
-      </p:grpSpPr>
-      <p:sp>
-        <p:nvSpPr>
-          <p:cNvPr id="2" name="Content Placeholder 1"/>
-          <p:cNvSpPr>
-            <a:spLocks noGrp="1"/>
-          </p:cNvSpPr>
-          <p:nvPr>
-            <p:ph idx="1"/>
-          </p:nvPr>
-        </p:nvSpPr>
-        <p:spPr>
-          <a:xfrm>
-            <a:off x="228600" y="1600200"/>
-            <a:ext cx="8407893" cy="4407408"/>
-          </a:xfrm>
-        </p:spPr>
-        <p:txBody>
-          <a:bodyPr/>
-          <a:lstStyle/>
-          <a:p>
-            <a:r>
-              <a:rPr lang="en-US" dirty="0" smtClean="0"/>
-              <a:t>Role and Responsible</a:t>
-            </a:r>
-            <a:endParaRPr lang="en-US" dirty="0"/>
-          </a:p>
-        </p:txBody>
-      </p:sp>
-      <p:sp>
-        <p:nvSpPr>
-          <p:cNvPr id="3" name="Title 2"/>
-          <p:cNvSpPr>
-            <a:spLocks noGrp="1"/>
-          </p:cNvSpPr>
-          <p:nvPr>
-            <p:ph type="title"/>
-          </p:nvPr>
-        </p:nvSpPr>
-        <p:spPr/>
-        <p:txBody>
-          <a:bodyPr/>
-          <a:lstStyle/>
-          <a:p>
-            <a:r>
-              <a:rPr lang="en-US" dirty="0"/>
-              <a:t>Project Management </a:t>
-            </a:r>
-            <a:r>
-              <a:rPr lang="en-US" dirty="0" smtClean="0"/>
-              <a:t>Plan</a:t>
-            </a:r>
-            <a:br>
-              <a:rPr lang="en-US" dirty="0" smtClean="0"/>
-            </a:br>
-            <a:r>
-              <a:rPr lang="en-US" sz="2400" dirty="0" smtClean="0"/>
-              <a:t>Project Plan</a:t>
-            </a:r>
-            <a:endParaRPr lang="en-US" sz="3600" dirty="0"/>
-          </a:p>
-        </p:txBody>
-      </p:sp>
-      <p:pic>
-        <p:nvPicPr>
-          <p:cNvPr id="4" name="Picture 3" descr="D:\e-learning-website\User\NamKT\role vs responsible.png"/>
-          <p:cNvPicPr/>
-          <p:nvPr/>
-        </p:nvPicPr>
-        <p:blipFill>
-          <a:blip r:embed="rId2">
-            <a:extLst>
-              <a:ext uri="{28A0092B-C50C-407E-A947-70E740481C1C}">
-                <a14:useLocalDpi xmlns:a14="http://schemas.microsoft.com/office/drawing/2010/main" val="0"/>
-              </a:ext>
-            </a:extLst>
-          </a:blip>
-          <a:srcRect/>
-          <a:stretch>
-            <a:fillRect/>
-          </a:stretch>
-        </p:blipFill>
-        <p:spPr bwMode="auto">
-          <a:xfrm>
-            <a:off x="1524000" y="1986699"/>
-            <a:ext cx="6542202" cy="4648200"/>
-          </a:xfrm>
-          <a:prstGeom prst="rect">
-            <a:avLst/>
-          </a:prstGeom>
-          <a:noFill/>
-          <a:ln>
-            <a:noFill/>
-          </a:ln>
-        </p:spPr>
-      </p:pic>
-    </p:spTree>
-    <p:extLst>
-      <p:ext uri="{BB962C8B-B14F-4D97-AF65-F5344CB8AC3E}">
-        <p14:creationId xmlns:p14="http://schemas.microsoft.com/office/powerpoint/2010/main" val="3406481830"/>
       </p:ext>
     </p:extLst>
   </p:cSld>
